--- a/Documents/sem8_review_ppt.pptx
+++ b/Documents/sem8_review_ppt.pptx
@@ -5,7 +5,7 @@
     <p:sldMasterId id="2147483659" r:id="rId1"/>
   </p:sldMasterIdLst>
   <p:notesMasterIdLst>
-    <p:notesMasterId r:id="rId29"/>
+    <p:notesMasterId r:id="rId31"/>
   </p:notesMasterIdLst>
   <p:sldIdLst>
     <p:sldId id="256" r:id="rId2"/>
@@ -21,20 +21,22 @@
     <p:sldId id="277" r:id="rId12"/>
     <p:sldId id="279" r:id="rId13"/>
     <p:sldId id="265" r:id="rId14"/>
-    <p:sldId id="266" r:id="rId15"/>
-    <p:sldId id="267" r:id="rId16"/>
-    <p:sldId id="280" r:id="rId17"/>
-    <p:sldId id="268" r:id="rId18"/>
-    <p:sldId id="269" r:id="rId19"/>
-    <p:sldId id="270" r:id="rId20"/>
-    <p:sldId id="271" r:id="rId21"/>
-    <p:sldId id="272" r:id="rId22"/>
-    <p:sldId id="273" r:id="rId23"/>
-    <p:sldId id="274" r:id="rId24"/>
-    <p:sldId id="275" r:id="rId25"/>
-    <p:sldId id="281" r:id="rId26"/>
-    <p:sldId id="282" r:id="rId27"/>
-    <p:sldId id="276" r:id="rId28"/>
+    <p:sldId id="283" r:id="rId15"/>
+    <p:sldId id="266" r:id="rId16"/>
+    <p:sldId id="267" r:id="rId17"/>
+    <p:sldId id="280" r:id="rId18"/>
+    <p:sldId id="268" r:id="rId19"/>
+    <p:sldId id="269" r:id="rId20"/>
+    <p:sldId id="270" r:id="rId21"/>
+    <p:sldId id="271" r:id="rId22"/>
+    <p:sldId id="272" r:id="rId23"/>
+    <p:sldId id="273" r:id="rId24"/>
+    <p:sldId id="274" r:id="rId25"/>
+    <p:sldId id="275" r:id="rId26"/>
+    <p:sldId id="281" r:id="rId27"/>
+    <p:sldId id="282" r:id="rId28"/>
+    <p:sldId id="284" r:id="rId29"/>
+    <p:sldId id="276" r:id="rId30"/>
   </p:sldIdLst>
   <p:sldSz cx="9144000" cy="5143500" type="screen16x9"/>
   <p:notesSz cx="6858000" cy="9144000"/>
@@ -3211,6 +3213,151 @@
 </file>
 
 <file path=ppt/notesSlides/notesSlide27.xml><?xml version="1.0" encoding="utf-8"?>
+<p:notes xmlns:a="http://schemas.openxmlformats.org/drawingml/2006/main" xmlns:r="http://schemas.openxmlformats.org/officeDocument/2006/relationships" xmlns:p="http://schemas.openxmlformats.org/presentationml/2006/main" showMasterSp="0" showMasterPhAnim="0">
+  <p:cSld>
+    <p:spTree>
+      <p:nvGrpSpPr>
+        <p:cNvPr id="1" name="Shape 197">
+          <a:extLst>
+            <a:ext uri="{FF2B5EF4-FFF2-40B4-BE49-F238E27FC236}">
+              <a16:creationId xmlns:a16="http://schemas.microsoft.com/office/drawing/2014/main" id="{9B65C2E5-4A4A-FBC3-CDD8-141DF7FDC35C}"/>
+            </a:ext>
+          </a:extLst>
+        </p:cNvPr>
+        <p:cNvGrpSpPr/>
+        <p:nvPr/>
+      </p:nvGrpSpPr>
+      <p:grpSpPr>
+        <a:xfrm>
+          <a:off x="0" y="0"/>
+          <a:ext cx="0" cy="0"/>
+          <a:chOff x="0" y="0"/>
+          <a:chExt cx="0" cy="0"/>
+        </a:xfrm>
+      </p:grpSpPr>
+      <p:sp>
+        <p:nvSpPr>
+          <p:cNvPr id="198" name="Google Shape;198;p10:notes">
+            <a:extLst>
+              <a:ext uri="{FF2B5EF4-FFF2-40B4-BE49-F238E27FC236}">
+                <a16:creationId xmlns:a16="http://schemas.microsoft.com/office/drawing/2014/main" id="{9BEC2BAF-80B0-0C38-F6FD-A34152F178E4}"/>
+              </a:ext>
+            </a:extLst>
+          </p:cNvPr>
+          <p:cNvSpPr>
+            <a:spLocks noGrp="1" noRot="1" noChangeAspect="1"/>
+          </p:cNvSpPr>
+          <p:nvPr>
+            <p:ph type="sldImg" idx="2"/>
+          </p:nvPr>
+        </p:nvSpPr>
+        <p:spPr>
+          <a:xfrm>
+            <a:off x="381000" y="685800"/>
+            <a:ext cx="6096000" cy="3429000"/>
+          </a:xfrm>
+          <a:custGeom>
+            <a:avLst/>
+            <a:gdLst/>
+            <a:ahLst/>
+            <a:cxnLst/>
+            <a:rect l="l" t="t" r="r" b="b"/>
+            <a:pathLst>
+              <a:path w="120000" h="120000" extrusionOk="0">
+                <a:moveTo>
+                  <a:pt x="0" y="0"/>
+                </a:moveTo>
+                <a:lnTo>
+                  <a:pt x="120000" y="0"/>
+                </a:lnTo>
+                <a:lnTo>
+                  <a:pt x="120000" y="120000"/>
+                </a:lnTo>
+                <a:lnTo>
+                  <a:pt x="0" y="120000"/>
+                </a:lnTo>
+                <a:close/>
+              </a:path>
+            </a:pathLst>
+          </a:custGeom>
+          <a:noFill/>
+          <a:ln w="9525" cap="flat" cmpd="sng">
+            <a:solidFill>
+              <a:srgbClr val="000000"/>
+            </a:solidFill>
+            <a:prstDash val="solid"/>
+            <a:round/>
+            <a:headEnd type="none" w="sm" len="sm"/>
+            <a:tailEnd type="none" w="sm" len="sm"/>
+          </a:ln>
+        </p:spPr>
+      </p:sp>
+      <p:sp>
+        <p:nvSpPr>
+          <p:cNvPr id="199" name="Google Shape;199;p10:notes">
+            <a:extLst>
+              <a:ext uri="{FF2B5EF4-FFF2-40B4-BE49-F238E27FC236}">
+                <a16:creationId xmlns:a16="http://schemas.microsoft.com/office/drawing/2014/main" id="{A2ADB3F5-24F6-E894-D889-86A9C5D20AAA}"/>
+              </a:ext>
+            </a:extLst>
+          </p:cNvPr>
+          <p:cNvSpPr txBox="1">
+            <a:spLocks noGrp="1"/>
+          </p:cNvSpPr>
+          <p:nvPr>
+            <p:ph type="body" idx="1"/>
+          </p:nvPr>
+        </p:nvSpPr>
+        <p:spPr>
+          <a:xfrm>
+            <a:off x="685800" y="4343400"/>
+            <a:ext cx="5486400" cy="4114800"/>
+          </a:xfrm>
+          <a:prstGeom prst="rect">
+            <a:avLst/>
+          </a:prstGeom>
+          <a:noFill/>
+          <a:ln>
+            <a:noFill/>
+          </a:ln>
+        </p:spPr>
+        <p:txBody>
+          <a:bodyPr spcFirstLastPara="1" wrap="square" lIns="91425" tIns="91425" rIns="91425" bIns="91425" anchor="t" anchorCtr="0">
+            <a:noAutofit/>
+          </a:bodyPr>
+          <a:lstStyle/>
+          <a:p>
+            <a:pPr marL="0" lvl="0" indent="0" algn="l" rtl="0">
+              <a:lnSpc>
+                <a:spcPct val="100000"/>
+              </a:lnSpc>
+              <a:spcBef>
+                <a:spcPts val="0"/>
+              </a:spcBef>
+              <a:spcAft>
+                <a:spcPts val="0"/>
+              </a:spcAft>
+              <a:buSzPts val="1100"/>
+              <a:buNone/>
+            </a:pPr>
+            <a:endParaRPr/>
+          </a:p>
+        </p:txBody>
+      </p:sp>
+    </p:spTree>
+    <p:extLst>
+      <p:ext uri="{BB962C8B-B14F-4D97-AF65-F5344CB8AC3E}">
+        <p14:creationId xmlns:p14="http://schemas.microsoft.com/office/powerpoint/2010/main" val="2199823201"/>
+      </p:ext>
+    </p:extLst>
+  </p:cSld>
+  <p:clrMapOvr>
+    <a:masterClrMapping/>
+  </p:clrMapOvr>
+</p:notes>
+</file>
+
+<file path=ppt/notesSlides/notesSlide28.xml><?xml version="1.0" encoding="utf-8"?>
 <p:notes xmlns:a="http://schemas.openxmlformats.org/drawingml/2006/main" xmlns:r="http://schemas.openxmlformats.org/officeDocument/2006/relationships" xmlns:p="http://schemas.openxmlformats.org/presentationml/2006/main" showMasterSp="0" showMasterPhAnim="0">
   <p:cSld>
     <p:spTree>
@@ -14330,6 +14477,76 @@
   <p:cSld>
     <p:spTree>
       <p:nvGrpSpPr>
+        <p:cNvPr id="1" name=""/>
+        <p:cNvGrpSpPr/>
+        <p:nvPr/>
+      </p:nvGrpSpPr>
+      <p:grpSpPr>
+        <a:xfrm>
+          <a:off x="0" y="0"/>
+          <a:ext cx="0" cy="0"/>
+          <a:chOff x="0" y="0"/>
+          <a:chExt cx="0" cy="0"/>
+        </a:xfrm>
+      </p:grpSpPr>
+      <p:sp>
+        <p:nvSpPr>
+          <p:cNvPr id="2" name="Title 1">
+            <a:extLst>
+              <a:ext uri="{FF2B5EF4-FFF2-40B4-BE49-F238E27FC236}">
+                <a16:creationId xmlns:a16="http://schemas.microsoft.com/office/drawing/2014/main" id="{60B67C7D-1C7B-D37D-99F9-0AA2FD237259}"/>
+              </a:ext>
+            </a:extLst>
+          </p:cNvPr>
+          <p:cNvSpPr>
+            <a:spLocks noGrp="1"/>
+          </p:cNvSpPr>
+          <p:nvPr>
+            <p:ph type="title"/>
+          </p:nvPr>
+        </p:nvSpPr>
+        <p:spPr>
+          <a:xfrm>
+            <a:off x="189780" y="105303"/>
+            <a:ext cx="8520600" cy="841800"/>
+          </a:xfrm>
+        </p:spPr>
+        <p:txBody>
+          <a:bodyPr>
+            <a:normAutofit fontScale="90000"/>
+          </a:bodyPr>
+          <a:lstStyle/>
+          <a:p>
+            <a:r>
+              <a:rPr lang="en-IN" dirty="0"/>
+              <a:t>Improving Reasoning Of LLMs using </a:t>
+            </a:r>
+            <a:r>
+              <a:rPr lang="en-IN" dirty="0" err="1"/>
+              <a:t>ReAct</a:t>
+            </a:r>
+            <a:endParaRPr lang="en-IN" dirty="0"/>
+          </a:p>
+        </p:txBody>
+      </p:sp>
+    </p:spTree>
+    <p:extLst>
+      <p:ext uri="{BB962C8B-B14F-4D97-AF65-F5344CB8AC3E}">
+        <p14:creationId xmlns:p14="http://schemas.microsoft.com/office/powerpoint/2010/main" val="3121552061"/>
+      </p:ext>
+    </p:extLst>
+  </p:cSld>
+  <p:clrMapOvr>
+    <a:masterClrMapping/>
+  </p:clrMapOvr>
+</p:sld>
+</file>
+
+<file path=ppt/slides/slide15.xml><?xml version="1.0" encoding="utf-8"?>
+<p:sld xmlns:a="http://schemas.openxmlformats.org/drawingml/2006/main" xmlns:r="http://schemas.openxmlformats.org/officeDocument/2006/relationships" xmlns:p="http://schemas.openxmlformats.org/presentationml/2006/main">
+  <p:cSld>
+    <p:spTree>
+      <p:nvGrpSpPr>
         <p:cNvPr id="1" name="Shape 126"/>
         <p:cNvGrpSpPr/>
         <p:nvPr/>
@@ -14948,7 +15165,7 @@
 </p:sld>
 </file>
 
-<file path=ppt/slides/slide15.xml><?xml version="1.0" encoding="utf-8"?>
+<file path=ppt/slides/slide16.xml><?xml version="1.0" encoding="utf-8"?>
 <p:sld xmlns:a="http://schemas.openxmlformats.org/drawingml/2006/main" xmlns:r="http://schemas.openxmlformats.org/officeDocument/2006/relationships" xmlns:p="http://schemas.openxmlformats.org/presentationml/2006/main">
   <p:cSld>
     <p:spTree>
@@ -15699,7 +15916,7 @@
 </p:sld>
 </file>
 
-<file path=ppt/slides/slide16.xml><?xml version="1.0" encoding="utf-8"?>
+<file path=ppt/slides/slide17.xml><?xml version="1.0" encoding="utf-8"?>
 <p:sld xmlns:a="http://schemas.openxmlformats.org/drawingml/2006/main" xmlns:r="http://schemas.openxmlformats.org/officeDocument/2006/relationships" xmlns:p="http://schemas.openxmlformats.org/presentationml/2006/main">
   <p:cSld>
     <p:spTree>
@@ -16159,7 +16376,7 @@
 </p:sld>
 </file>
 
-<file path=ppt/slides/slide17.xml><?xml version="1.0" encoding="utf-8"?>
+<file path=ppt/slides/slide18.xml><?xml version="1.0" encoding="utf-8"?>
 <p:sld xmlns:a="http://schemas.openxmlformats.org/drawingml/2006/main" xmlns:r="http://schemas.openxmlformats.org/officeDocument/2006/relationships" xmlns:p="http://schemas.openxmlformats.org/presentationml/2006/main">
   <p:cSld>
     <p:spTree>
@@ -16861,7 +17078,7 @@
 </p:sld>
 </file>
 
-<file path=ppt/slides/slide18.xml><?xml version="1.0" encoding="utf-8"?>
+<file path=ppt/slides/slide19.xml><?xml version="1.0" encoding="utf-8"?>
 <p:sld xmlns:a="http://schemas.openxmlformats.org/drawingml/2006/main" xmlns:r="http://schemas.openxmlformats.org/officeDocument/2006/relationships" xmlns:p="http://schemas.openxmlformats.org/presentationml/2006/main">
   <p:cSld>
     <p:spTree>
@@ -17668,814 +17885,6 @@
       <p:pic>
         <p:nvPicPr>
           <p:cNvPr id="150" name="Google Shape;150;p26"/>
-          <p:cNvPicPr preferRelativeResize="0"/>
-          <p:nvPr/>
-        </p:nvPicPr>
-        <p:blipFill rotWithShape="1">
-          <a:blip r:embed="rId3">
-            <a:alphaModFix/>
-          </a:blip>
-          <a:srcRect/>
-          <a:stretch/>
-        </p:blipFill>
-        <p:spPr>
-          <a:xfrm>
-            <a:off x="7960875" y="142875"/>
-            <a:ext cx="581025" cy="623200"/>
-          </a:xfrm>
-          <a:prstGeom prst="rect">
-            <a:avLst/>
-          </a:prstGeom>
-          <a:noFill/>
-          <a:ln>
-            <a:noFill/>
-          </a:ln>
-        </p:spPr>
-      </p:pic>
-    </p:spTree>
-  </p:cSld>
-  <p:clrMapOvr>
-    <a:masterClrMapping/>
-  </p:clrMapOvr>
-</p:sld>
-</file>
-
-<file path=ppt/slides/slide19.xml><?xml version="1.0" encoding="utf-8"?>
-<p:sld xmlns:a="http://schemas.openxmlformats.org/drawingml/2006/main" xmlns:r="http://schemas.openxmlformats.org/officeDocument/2006/relationships" xmlns:p="http://schemas.openxmlformats.org/presentationml/2006/main">
-  <p:cSld>
-    <p:spTree>
-      <p:nvGrpSpPr>
-        <p:cNvPr id="1" name="Shape 154"/>
-        <p:cNvGrpSpPr/>
-        <p:nvPr/>
-      </p:nvGrpSpPr>
-      <p:grpSpPr>
-        <a:xfrm>
-          <a:off x="0" y="0"/>
-          <a:ext cx="0" cy="0"/>
-          <a:chOff x="0" y="0"/>
-          <a:chExt cx="0" cy="0"/>
-        </a:xfrm>
-      </p:grpSpPr>
-      <p:sp>
-        <p:nvSpPr>
-          <p:cNvPr id="155" name="Google Shape;155;p27"/>
-          <p:cNvSpPr txBox="1">
-            <a:spLocks noGrp="1"/>
-          </p:cNvSpPr>
-          <p:nvPr>
-            <p:ph type="subTitle" idx="1"/>
-          </p:nvPr>
-        </p:nvSpPr>
-        <p:spPr>
-          <a:xfrm>
-            <a:off x="311700" y="1194700"/>
-            <a:ext cx="8691000" cy="3582000"/>
-          </a:xfrm>
-          <a:prstGeom prst="rect">
-            <a:avLst/>
-          </a:prstGeom>
-          <a:noFill/>
-          <a:ln>
-            <a:noFill/>
-          </a:ln>
-        </p:spPr>
-        <p:txBody>
-          <a:bodyPr spcFirstLastPara="1" wrap="square" lIns="91425" tIns="0" rIns="0" bIns="0" anchor="t" anchorCtr="0">
-            <a:noAutofit/>
-          </a:bodyPr>
-          <a:lstStyle/>
-          <a:p>
-            <a:pPr marL="0" lvl="0" indent="0" algn="l" rtl="0">
-              <a:lnSpc>
-                <a:spcPct val="80000"/>
-              </a:lnSpc>
-              <a:spcBef>
-                <a:spcPts val="0"/>
-              </a:spcBef>
-              <a:spcAft>
-                <a:spcPts val="0"/>
-              </a:spcAft>
-              <a:buSzPts val="2800"/>
-              <a:buNone/>
-            </a:pPr>
-            <a:endParaRPr sz="2000" b="1" u="sng">
-              <a:solidFill>
-                <a:schemeClr val="dk1"/>
-              </a:solidFill>
-              <a:latin typeface="Times New Roman"/>
-              <a:ea typeface="Times New Roman"/>
-              <a:cs typeface="Times New Roman"/>
-              <a:sym typeface="Times New Roman"/>
-            </a:endParaRPr>
-          </a:p>
-          <a:p>
-            <a:pPr marL="0" lvl="0" indent="0" algn="l" rtl="0">
-              <a:lnSpc>
-                <a:spcPct val="80000"/>
-              </a:lnSpc>
-              <a:spcBef>
-                <a:spcPts val="50"/>
-              </a:spcBef>
-              <a:spcAft>
-                <a:spcPts val="0"/>
-              </a:spcAft>
-              <a:buSzPts val="2800"/>
-              <a:buNone/>
-            </a:pPr>
-            <a:r>
-              <a:rPr lang="en" sz="2000" b="1" u="sng">
-                <a:solidFill>
-                  <a:schemeClr val="dk1"/>
-                </a:solidFill>
-                <a:latin typeface="Times New Roman"/>
-                <a:ea typeface="Times New Roman"/>
-                <a:cs typeface="Times New Roman"/>
-                <a:sym typeface="Times New Roman"/>
-              </a:rPr>
-              <a:t>Algorithmic Steps  : </a:t>
-            </a:r>
-            <a:endParaRPr sz="2000">
-              <a:solidFill>
-                <a:schemeClr val="dk1"/>
-              </a:solidFill>
-              <a:latin typeface="Times New Roman"/>
-              <a:ea typeface="Times New Roman"/>
-              <a:cs typeface="Times New Roman"/>
-              <a:sym typeface="Times New Roman"/>
-            </a:endParaRPr>
-          </a:p>
-          <a:p>
-            <a:pPr marL="457200" lvl="0" indent="0" algn="l" rtl="0">
-              <a:lnSpc>
-                <a:spcPct val="80000"/>
-              </a:lnSpc>
-              <a:spcBef>
-                <a:spcPts val="50"/>
-              </a:spcBef>
-              <a:spcAft>
-                <a:spcPts val="0"/>
-              </a:spcAft>
-              <a:buSzPts val="1100"/>
-              <a:buNone/>
-            </a:pPr>
-            <a:endParaRPr sz="2000">
-              <a:solidFill>
-                <a:schemeClr val="dk1"/>
-              </a:solidFill>
-              <a:latin typeface="Times New Roman"/>
-              <a:ea typeface="Times New Roman"/>
-              <a:cs typeface="Times New Roman"/>
-              <a:sym typeface="Times New Roman"/>
-            </a:endParaRPr>
-          </a:p>
-          <a:p>
-            <a:pPr marL="457200" lvl="0" indent="0" algn="l" rtl="0">
-              <a:lnSpc>
-                <a:spcPct val="80000"/>
-              </a:lnSpc>
-              <a:spcBef>
-                <a:spcPts val="50"/>
-              </a:spcBef>
-              <a:spcAft>
-                <a:spcPts val="0"/>
-              </a:spcAft>
-              <a:buSzPts val="1100"/>
-              <a:buNone/>
-            </a:pPr>
-            <a:r>
-              <a:rPr lang="en" sz="2000" b="1">
-                <a:solidFill>
-                  <a:schemeClr val="dk1"/>
-                </a:solidFill>
-                <a:latin typeface="Times New Roman"/>
-                <a:ea typeface="Times New Roman"/>
-                <a:cs typeface="Times New Roman"/>
-                <a:sym typeface="Times New Roman"/>
-              </a:rPr>
-              <a:t>Send Request to PaLM API:</a:t>
-            </a:r>
-            <a:endParaRPr sz="2000">
-              <a:solidFill>
-                <a:schemeClr val="dk1"/>
-              </a:solidFill>
-              <a:latin typeface="Times New Roman"/>
-              <a:ea typeface="Times New Roman"/>
-              <a:cs typeface="Times New Roman"/>
-              <a:sym typeface="Times New Roman"/>
-            </a:endParaRPr>
-          </a:p>
-          <a:p>
-            <a:pPr marL="457200" lvl="0" indent="0" algn="l" rtl="0">
-              <a:lnSpc>
-                <a:spcPct val="80000"/>
-              </a:lnSpc>
-              <a:spcBef>
-                <a:spcPts val="50"/>
-              </a:spcBef>
-              <a:spcAft>
-                <a:spcPts val="0"/>
-              </a:spcAft>
-              <a:buSzPts val="1100"/>
-              <a:buNone/>
-            </a:pPr>
-            <a:r>
-              <a:rPr lang="en" sz="2000">
-                <a:solidFill>
-                  <a:schemeClr val="dk1"/>
-                </a:solidFill>
-                <a:latin typeface="Times New Roman"/>
-                <a:ea typeface="Times New Roman"/>
-                <a:cs typeface="Times New Roman"/>
-                <a:sym typeface="Times New Roman"/>
-              </a:rPr>
-              <a:t>Send the request to the PaLM API, which leverages the PaLM 2 language model for processing.</a:t>
-            </a:r>
-            <a:endParaRPr sz="2000">
-              <a:solidFill>
-                <a:schemeClr val="dk1"/>
-              </a:solidFill>
-              <a:latin typeface="Times New Roman"/>
-              <a:ea typeface="Times New Roman"/>
-              <a:cs typeface="Times New Roman"/>
-              <a:sym typeface="Times New Roman"/>
-            </a:endParaRPr>
-          </a:p>
-          <a:p>
-            <a:pPr marL="457200" lvl="0" indent="0" algn="l" rtl="0">
-              <a:lnSpc>
-                <a:spcPct val="80000"/>
-              </a:lnSpc>
-              <a:spcBef>
-                <a:spcPts val="50"/>
-              </a:spcBef>
-              <a:spcAft>
-                <a:spcPts val="0"/>
-              </a:spcAft>
-              <a:buSzPts val="1100"/>
-              <a:buNone/>
-            </a:pPr>
-            <a:endParaRPr sz="2000">
-              <a:solidFill>
-                <a:schemeClr val="dk1"/>
-              </a:solidFill>
-              <a:latin typeface="Times New Roman"/>
-              <a:ea typeface="Times New Roman"/>
-              <a:cs typeface="Times New Roman"/>
-              <a:sym typeface="Times New Roman"/>
-            </a:endParaRPr>
-          </a:p>
-          <a:p>
-            <a:pPr marL="457200" lvl="0" indent="0" algn="l" rtl="0">
-              <a:lnSpc>
-                <a:spcPct val="80000"/>
-              </a:lnSpc>
-              <a:spcBef>
-                <a:spcPts val="50"/>
-              </a:spcBef>
-              <a:spcAft>
-                <a:spcPts val="0"/>
-              </a:spcAft>
-              <a:buSzPts val="1100"/>
-              <a:buNone/>
-            </a:pPr>
-            <a:r>
-              <a:rPr lang="en" sz="2000" b="1">
-                <a:solidFill>
-                  <a:schemeClr val="dk1"/>
-                </a:solidFill>
-                <a:latin typeface="Times New Roman"/>
-                <a:ea typeface="Times New Roman"/>
-                <a:cs typeface="Times New Roman"/>
-                <a:sym typeface="Times New Roman"/>
-              </a:rPr>
-              <a:t>API Processing:</a:t>
-            </a:r>
-            <a:endParaRPr sz="2000">
-              <a:solidFill>
-                <a:schemeClr val="dk1"/>
-              </a:solidFill>
-              <a:latin typeface="Times New Roman"/>
-              <a:ea typeface="Times New Roman"/>
-              <a:cs typeface="Times New Roman"/>
-              <a:sym typeface="Times New Roman"/>
-            </a:endParaRPr>
-          </a:p>
-          <a:p>
-            <a:pPr marL="457200" lvl="0" indent="0" algn="l" rtl="0">
-              <a:lnSpc>
-                <a:spcPct val="80000"/>
-              </a:lnSpc>
-              <a:spcBef>
-                <a:spcPts val="50"/>
-              </a:spcBef>
-              <a:spcAft>
-                <a:spcPts val="0"/>
-              </a:spcAft>
-              <a:buSzPts val="1100"/>
-              <a:buNone/>
-            </a:pPr>
-            <a:r>
-              <a:rPr lang="en" sz="2000">
-                <a:solidFill>
-                  <a:schemeClr val="dk1"/>
-                </a:solidFill>
-                <a:latin typeface="Times New Roman"/>
-                <a:ea typeface="Times New Roman"/>
-                <a:cs typeface="Times New Roman"/>
-                <a:sym typeface="Times New Roman"/>
-              </a:rPr>
-              <a:t>The PaLM API processes your request using the state-of-the-art PaLM 2 language model, which is well-trained on a vast dataset of text and code.</a:t>
-            </a:r>
-            <a:endParaRPr sz="2000">
-              <a:solidFill>
-                <a:schemeClr val="dk1"/>
-              </a:solidFill>
-              <a:latin typeface="Times New Roman"/>
-              <a:ea typeface="Times New Roman"/>
-              <a:cs typeface="Times New Roman"/>
-              <a:sym typeface="Times New Roman"/>
-            </a:endParaRPr>
-          </a:p>
-          <a:p>
-            <a:pPr marL="457200" lvl="0" indent="0" algn="l" rtl="0">
-              <a:lnSpc>
-                <a:spcPct val="80000"/>
-              </a:lnSpc>
-              <a:spcBef>
-                <a:spcPts val="50"/>
-              </a:spcBef>
-              <a:spcAft>
-                <a:spcPts val="0"/>
-              </a:spcAft>
-              <a:buSzPts val="1100"/>
-              <a:buNone/>
-            </a:pPr>
-            <a:endParaRPr sz="2000">
-              <a:solidFill>
-                <a:schemeClr val="dk1"/>
-              </a:solidFill>
-              <a:latin typeface="Times New Roman"/>
-              <a:ea typeface="Times New Roman"/>
-              <a:cs typeface="Times New Roman"/>
-              <a:sym typeface="Times New Roman"/>
-            </a:endParaRPr>
-          </a:p>
-          <a:p>
-            <a:pPr marL="457200" lvl="0" indent="0" algn="l" rtl="0">
-              <a:lnSpc>
-                <a:spcPct val="80000"/>
-              </a:lnSpc>
-              <a:spcBef>
-                <a:spcPts val="50"/>
-              </a:spcBef>
-              <a:spcAft>
-                <a:spcPts val="0"/>
-              </a:spcAft>
-              <a:buSzPts val="1100"/>
-              <a:buNone/>
-            </a:pPr>
-            <a:r>
-              <a:rPr lang="en" sz="2000" b="1">
-                <a:solidFill>
-                  <a:schemeClr val="dk1"/>
-                </a:solidFill>
-                <a:latin typeface="Times New Roman"/>
-                <a:ea typeface="Times New Roman"/>
-                <a:cs typeface="Times New Roman"/>
-                <a:sym typeface="Times New Roman"/>
-              </a:rPr>
-              <a:t>Response Generation:</a:t>
-            </a:r>
-            <a:endParaRPr sz="2000" b="1">
-              <a:solidFill>
-                <a:schemeClr val="dk1"/>
-              </a:solidFill>
-              <a:latin typeface="Times New Roman"/>
-              <a:ea typeface="Times New Roman"/>
-              <a:cs typeface="Times New Roman"/>
-              <a:sym typeface="Times New Roman"/>
-            </a:endParaRPr>
-          </a:p>
-          <a:p>
-            <a:pPr marL="457200" lvl="0" indent="0" algn="l" rtl="0">
-              <a:lnSpc>
-                <a:spcPct val="80000"/>
-              </a:lnSpc>
-              <a:spcBef>
-                <a:spcPts val="50"/>
-              </a:spcBef>
-              <a:spcAft>
-                <a:spcPts val="0"/>
-              </a:spcAft>
-              <a:buSzPts val="1100"/>
-              <a:buNone/>
-            </a:pPr>
-            <a:r>
-              <a:rPr lang="en" sz="2000">
-                <a:solidFill>
-                  <a:schemeClr val="dk1"/>
-                </a:solidFill>
-                <a:latin typeface="Times New Roman"/>
-                <a:ea typeface="Times New Roman"/>
-                <a:cs typeface="Times New Roman"/>
-                <a:sym typeface="Times New Roman"/>
-              </a:rPr>
-              <a:t>The API generates a response based on the input parameters and the capabilities of the PaLM 2 model.</a:t>
-            </a:r>
-            <a:endParaRPr sz="2000">
-              <a:solidFill>
-                <a:schemeClr val="dk1"/>
-              </a:solidFill>
-              <a:latin typeface="Times New Roman"/>
-              <a:ea typeface="Times New Roman"/>
-              <a:cs typeface="Times New Roman"/>
-              <a:sym typeface="Times New Roman"/>
-            </a:endParaRPr>
-          </a:p>
-          <a:p>
-            <a:pPr marL="457200" lvl="0" indent="0" algn="l" rtl="0">
-              <a:lnSpc>
-                <a:spcPct val="80000"/>
-              </a:lnSpc>
-              <a:spcBef>
-                <a:spcPts val="50"/>
-              </a:spcBef>
-              <a:spcAft>
-                <a:spcPts val="0"/>
-              </a:spcAft>
-              <a:buSzPts val="1100"/>
-              <a:buNone/>
-            </a:pPr>
-            <a:endParaRPr sz="2000">
-              <a:solidFill>
-                <a:schemeClr val="dk1"/>
-              </a:solidFill>
-              <a:latin typeface="Times New Roman"/>
-              <a:ea typeface="Times New Roman"/>
-              <a:cs typeface="Times New Roman"/>
-              <a:sym typeface="Times New Roman"/>
-            </a:endParaRPr>
-          </a:p>
-          <a:p>
-            <a:pPr marL="457200" lvl="0" indent="0" algn="l" rtl="0">
-              <a:lnSpc>
-                <a:spcPct val="80000"/>
-              </a:lnSpc>
-              <a:spcBef>
-                <a:spcPts val="50"/>
-              </a:spcBef>
-              <a:spcAft>
-                <a:spcPts val="0"/>
-              </a:spcAft>
-              <a:buSzPts val="1100"/>
-              <a:buNone/>
-            </a:pPr>
-            <a:endParaRPr sz="2000" b="1">
-              <a:solidFill>
-                <a:schemeClr val="dk1"/>
-              </a:solidFill>
-              <a:latin typeface="Times New Roman"/>
-              <a:ea typeface="Times New Roman"/>
-              <a:cs typeface="Times New Roman"/>
-              <a:sym typeface="Times New Roman"/>
-            </a:endParaRPr>
-          </a:p>
-          <a:p>
-            <a:pPr marL="0" lvl="0" indent="0" algn="l" rtl="0">
-              <a:lnSpc>
-                <a:spcPct val="80000"/>
-              </a:lnSpc>
-              <a:spcBef>
-                <a:spcPts val="50"/>
-              </a:spcBef>
-              <a:spcAft>
-                <a:spcPts val="0"/>
-              </a:spcAft>
-              <a:buSzPts val="2800"/>
-              <a:buNone/>
-            </a:pPr>
-            <a:endParaRPr sz="2000" b="1">
-              <a:solidFill>
-                <a:schemeClr val="dk1"/>
-              </a:solidFill>
-              <a:latin typeface="Times New Roman"/>
-              <a:ea typeface="Times New Roman"/>
-              <a:cs typeface="Times New Roman"/>
-              <a:sym typeface="Times New Roman"/>
-            </a:endParaRPr>
-          </a:p>
-          <a:p>
-            <a:pPr marL="457200" lvl="0" indent="0" algn="l" rtl="0">
-              <a:lnSpc>
-                <a:spcPct val="80000"/>
-              </a:lnSpc>
-              <a:spcBef>
-                <a:spcPts val="50"/>
-              </a:spcBef>
-              <a:spcAft>
-                <a:spcPts val="0"/>
-              </a:spcAft>
-              <a:buNone/>
-            </a:pPr>
-            <a:endParaRPr sz="2000">
-              <a:solidFill>
-                <a:schemeClr val="dk1"/>
-              </a:solidFill>
-              <a:latin typeface="Times New Roman"/>
-              <a:ea typeface="Times New Roman"/>
-              <a:cs typeface="Times New Roman"/>
-              <a:sym typeface="Times New Roman"/>
-            </a:endParaRPr>
-          </a:p>
-          <a:p>
-            <a:pPr marL="457200" lvl="0" indent="0" algn="l" rtl="0">
-              <a:lnSpc>
-                <a:spcPct val="80000"/>
-              </a:lnSpc>
-              <a:spcBef>
-                <a:spcPts val="0"/>
-              </a:spcBef>
-              <a:spcAft>
-                <a:spcPts val="0"/>
-              </a:spcAft>
-              <a:buNone/>
-            </a:pPr>
-            <a:endParaRPr sz="2000">
-              <a:solidFill>
-                <a:schemeClr val="dk1"/>
-              </a:solidFill>
-              <a:latin typeface="Times New Roman"/>
-              <a:ea typeface="Times New Roman"/>
-              <a:cs typeface="Times New Roman"/>
-              <a:sym typeface="Times New Roman"/>
-            </a:endParaRPr>
-          </a:p>
-          <a:p>
-            <a:pPr marL="457200" lvl="0" indent="0" algn="l" rtl="0">
-              <a:lnSpc>
-                <a:spcPct val="80000"/>
-              </a:lnSpc>
-              <a:spcBef>
-                <a:spcPts val="0"/>
-              </a:spcBef>
-              <a:spcAft>
-                <a:spcPts val="0"/>
-              </a:spcAft>
-              <a:buNone/>
-            </a:pPr>
-            <a:endParaRPr sz="2000" b="1">
-              <a:solidFill>
-                <a:schemeClr val="dk1"/>
-              </a:solidFill>
-              <a:latin typeface="Times New Roman"/>
-              <a:ea typeface="Times New Roman"/>
-              <a:cs typeface="Times New Roman"/>
-              <a:sym typeface="Times New Roman"/>
-            </a:endParaRPr>
-          </a:p>
-          <a:p>
-            <a:pPr marL="457200" lvl="0" indent="0" algn="l" rtl="0">
-              <a:lnSpc>
-                <a:spcPct val="80000"/>
-              </a:lnSpc>
-              <a:spcBef>
-                <a:spcPts val="0"/>
-              </a:spcBef>
-              <a:spcAft>
-                <a:spcPts val="0"/>
-              </a:spcAft>
-              <a:buNone/>
-            </a:pPr>
-            <a:endParaRPr sz="2000" b="1">
-              <a:solidFill>
-                <a:schemeClr val="dk1"/>
-              </a:solidFill>
-              <a:latin typeface="Times New Roman"/>
-              <a:ea typeface="Times New Roman"/>
-              <a:cs typeface="Times New Roman"/>
-              <a:sym typeface="Times New Roman"/>
-            </a:endParaRPr>
-          </a:p>
-        </p:txBody>
-      </p:sp>
-      <p:sp>
-        <p:nvSpPr>
-          <p:cNvPr id="156" name="Google Shape;156;p27"/>
-          <p:cNvSpPr txBox="1">
-            <a:spLocks noGrp="1"/>
-          </p:cNvSpPr>
-          <p:nvPr>
-            <p:ph type="ctrTitle"/>
-          </p:nvPr>
-        </p:nvSpPr>
-        <p:spPr>
-          <a:xfrm>
-            <a:off x="311700" y="142875"/>
-            <a:ext cx="8520600" cy="1143000"/>
-          </a:xfrm>
-          <a:prstGeom prst="rect">
-            <a:avLst/>
-          </a:prstGeom>
-          <a:noFill/>
-          <a:ln>
-            <a:noFill/>
-          </a:ln>
-        </p:spPr>
-        <p:txBody>
-          <a:bodyPr spcFirstLastPara="1" wrap="square" lIns="91425" tIns="91425" rIns="91425" bIns="91425" anchor="b" anchorCtr="0">
-            <a:normAutofit fontScale="90000"/>
-          </a:bodyPr>
-          <a:lstStyle/>
-          <a:p>
-            <a:pPr marL="0" lvl="0" indent="0" algn="ctr" rtl="0">
-              <a:lnSpc>
-                <a:spcPct val="115000"/>
-              </a:lnSpc>
-              <a:spcBef>
-                <a:spcPts val="0"/>
-              </a:spcBef>
-              <a:spcAft>
-                <a:spcPts val="0"/>
-              </a:spcAft>
-              <a:buClr>
-                <a:schemeClr val="dk1"/>
-              </a:buClr>
-              <a:buSzPts val="5200"/>
-              <a:buFont typeface="Arial"/>
-              <a:buNone/>
-            </a:pPr>
-            <a:r>
-              <a:rPr lang="en" sz="1200" b="1">
-                <a:solidFill>
-                  <a:srgbClr val="00000A"/>
-                </a:solidFill>
-                <a:latin typeface="Times New Roman"/>
-                <a:ea typeface="Times New Roman"/>
-                <a:cs typeface="Times New Roman"/>
-                <a:sym typeface="Times New Roman"/>
-              </a:rPr>
-              <a:t>Marathwada Mitra Mandal’s College of Engineering</a:t>
-            </a:r>
-            <a:endParaRPr sz="1200" b="1">
-              <a:solidFill>
-                <a:srgbClr val="00000A"/>
-              </a:solidFill>
-              <a:latin typeface="Times New Roman"/>
-              <a:ea typeface="Times New Roman"/>
-              <a:cs typeface="Times New Roman"/>
-              <a:sym typeface="Times New Roman"/>
-            </a:endParaRPr>
-          </a:p>
-          <a:p>
-            <a:pPr marL="0" lvl="0" indent="0" algn="ctr" rtl="0">
-              <a:lnSpc>
-                <a:spcPct val="115000"/>
-              </a:lnSpc>
-              <a:spcBef>
-                <a:spcPts val="0"/>
-              </a:spcBef>
-              <a:spcAft>
-                <a:spcPts val="0"/>
-              </a:spcAft>
-              <a:buSzPts val="5200"/>
-              <a:buNone/>
-            </a:pPr>
-            <a:r>
-              <a:rPr lang="en" sz="1200" b="1">
-                <a:solidFill>
-                  <a:srgbClr val="00000A"/>
-                </a:solidFill>
-                <a:latin typeface="Times New Roman"/>
-                <a:ea typeface="Times New Roman"/>
-                <a:cs typeface="Times New Roman"/>
-                <a:sym typeface="Times New Roman"/>
-              </a:rPr>
-              <a:t>Karvenagar, Pune</a:t>
-            </a:r>
-            <a:endParaRPr sz="1200" b="1">
-              <a:solidFill>
-                <a:srgbClr val="00000A"/>
-              </a:solidFill>
-              <a:latin typeface="Times New Roman"/>
-              <a:ea typeface="Times New Roman"/>
-              <a:cs typeface="Times New Roman"/>
-              <a:sym typeface="Times New Roman"/>
-            </a:endParaRPr>
-          </a:p>
-          <a:p>
-            <a:pPr marL="0" lvl="0" indent="0" algn="ctr" rtl="0">
-              <a:lnSpc>
-                <a:spcPct val="115000"/>
-              </a:lnSpc>
-              <a:spcBef>
-                <a:spcPts val="0"/>
-              </a:spcBef>
-              <a:spcAft>
-                <a:spcPts val="0"/>
-              </a:spcAft>
-              <a:buSzPts val="5200"/>
-              <a:buNone/>
-            </a:pPr>
-            <a:r>
-              <a:rPr lang="en" sz="1200">
-                <a:solidFill>
-                  <a:srgbClr val="00000A"/>
-                </a:solidFill>
-                <a:latin typeface="Times New Roman"/>
-                <a:ea typeface="Times New Roman"/>
-                <a:cs typeface="Times New Roman"/>
-                <a:sym typeface="Times New Roman"/>
-              </a:rPr>
-              <a:t>Permanently Affiliated to SPPU | Accredited with ‘A++’ grade by NAAC | Recipient of ‘Best College’ award by SPPU,</a:t>
-            </a:r>
-            <a:endParaRPr sz="1200">
-              <a:solidFill>
-                <a:srgbClr val="00000A"/>
-              </a:solidFill>
-              <a:latin typeface="Times New Roman"/>
-              <a:ea typeface="Times New Roman"/>
-              <a:cs typeface="Times New Roman"/>
-              <a:sym typeface="Times New Roman"/>
-            </a:endParaRPr>
-          </a:p>
-          <a:p>
-            <a:pPr marL="0" lvl="0" indent="0" algn="ctr" rtl="0">
-              <a:lnSpc>
-                <a:spcPct val="115000"/>
-              </a:lnSpc>
-              <a:spcBef>
-                <a:spcPts val="0"/>
-              </a:spcBef>
-              <a:spcAft>
-                <a:spcPts val="0"/>
-              </a:spcAft>
-              <a:buSzPts val="5200"/>
-              <a:buNone/>
-            </a:pPr>
-            <a:r>
-              <a:rPr lang="en" sz="1200">
-                <a:solidFill>
-                  <a:srgbClr val="00000A"/>
-                </a:solidFill>
-                <a:latin typeface="Times New Roman"/>
-                <a:ea typeface="Times New Roman"/>
-                <a:cs typeface="Times New Roman"/>
-                <a:sym typeface="Times New Roman"/>
-              </a:rPr>
-              <a:t> Accredited by NBA ( Electrical Engg and Mechanical Engg) | Recognized under 2(f) and 12(B) of UGC Act 1956 |ISO 9001:2015 certified</a:t>
-            </a:r>
-            <a:endParaRPr sz="1200">
-              <a:solidFill>
-                <a:srgbClr val="00000A"/>
-              </a:solidFill>
-              <a:latin typeface="Times New Roman"/>
-              <a:ea typeface="Times New Roman"/>
-              <a:cs typeface="Times New Roman"/>
-              <a:sym typeface="Times New Roman"/>
-            </a:endParaRPr>
-          </a:p>
-          <a:p>
-            <a:pPr marL="0" lvl="0" indent="0" algn="ctr" rtl="0">
-              <a:lnSpc>
-                <a:spcPct val="115000"/>
-              </a:lnSpc>
-              <a:spcBef>
-                <a:spcPts val="0"/>
-              </a:spcBef>
-              <a:spcAft>
-                <a:spcPts val="0"/>
-              </a:spcAft>
-              <a:buSzPts val="5200"/>
-              <a:buNone/>
-            </a:pPr>
-            <a:r>
-              <a:rPr lang="en" sz="1200" b="1">
-                <a:solidFill>
-                  <a:srgbClr val="00000A"/>
-                </a:solidFill>
-                <a:latin typeface="Times New Roman"/>
-                <a:ea typeface="Times New Roman"/>
-                <a:cs typeface="Times New Roman"/>
-                <a:sym typeface="Times New Roman"/>
-              </a:rPr>
-              <a:t>Department of Computer Engineering</a:t>
-            </a:r>
-            <a:endParaRPr sz="1200" b="1">
-              <a:solidFill>
-                <a:srgbClr val="00000A"/>
-              </a:solidFill>
-              <a:latin typeface="Times New Roman"/>
-              <a:ea typeface="Times New Roman"/>
-              <a:cs typeface="Times New Roman"/>
-              <a:sym typeface="Times New Roman"/>
-            </a:endParaRPr>
-          </a:p>
-        </p:txBody>
-      </p:sp>
-      <p:pic>
-        <p:nvPicPr>
-          <p:cNvPr id="157" name="Google Shape;157;p27"/>
           <p:cNvPicPr preferRelativeResize="0"/>
           <p:nvPr/>
         </p:nvPicPr>
@@ -19393,6 +18802,814 @@
   <p:cSld>
     <p:spTree>
       <p:nvGrpSpPr>
+        <p:cNvPr id="1" name="Shape 154"/>
+        <p:cNvGrpSpPr/>
+        <p:nvPr/>
+      </p:nvGrpSpPr>
+      <p:grpSpPr>
+        <a:xfrm>
+          <a:off x="0" y="0"/>
+          <a:ext cx="0" cy="0"/>
+          <a:chOff x="0" y="0"/>
+          <a:chExt cx="0" cy="0"/>
+        </a:xfrm>
+      </p:grpSpPr>
+      <p:sp>
+        <p:nvSpPr>
+          <p:cNvPr id="155" name="Google Shape;155;p27"/>
+          <p:cNvSpPr txBox="1">
+            <a:spLocks noGrp="1"/>
+          </p:cNvSpPr>
+          <p:nvPr>
+            <p:ph type="subTitle" idx="1"/>
+          </p:nvPr>
+        </p:nvSpPr>
+        <p:spPr>
+          <a:xfrm>
+            <a:off x="311700" y="1194700"/>
+            <a:ext cx="8691000" cy="3582000"/>
+          </a:xfrm>
+          <a:prstGeom prst="rect">
+            <a:avLst/>
+          </a:prstGeom>
+          <a:noFill/>
+          <a:ln>
+            <a:noFill/>
+          </a:ln>
+        </p:spPr>
+        <p:txBody>
+          <a:bodyPr spcFirstLastPara="1" wrap="square" lIns="91425" tIns="0" rIns="0" bIns="0" anchor="t" anchorCtr="0">
+            <a:noAutofit/>
+          </a:bodyPr>
+          <a:lstStyle/>
+          <a:p>
+            <a:pPr marL="0" lvl="0" indent="0" algn="l" rtl="0">
+              <a:lnSpc>
+                <a:spcPct val="80000"/>
+              </a:lnSpc>
+              <a:spcBef>
+                <a:spcPts val="0"/>
+              </a:spcBef>
+              <a:spcAft>
+                <a:spcPts val="0"/>
+              </a:spcAft>
+              <a:buSzPts val="2800"/>
+              <a:buNone/>
+            </a:pPr>
+            <a:endParaRPr sz="2000" b="1" u="sng">
+              <a:solidFill>
+                <a:schemeClr val="dk1"/>
+              </a:solidFill>
+              <a:latin typeface="Times New Roman"/>
+              <a:ea typeface="Times New Roman"/>
+              <a:cs typeface="Times New Roman"/>
+              <a:sym typeface="Times New Roman"/>
+            </a:endParaRPr>
+          </a:p>
+          <a:p>
+            <a:pPr marL="0" lvl="0" indent="0" algn="l" rtl="0">
+              <a:lnSpc>
+                <a:spcPct val="80000"/>
+              </a:lnSpc>
+              <a:spcBef>
+                <a:spcPts val="50"/>
+              </a:spcBef>
+              <a:spcAft>
+                <a:spcPts val="0"/>
+              </a:spcAft>
+              <a:buSzPts val="2800"/>
+              <a:buNone/>
+            </a:pPr>
+            <a:r>
+              <a:rPr lang="en" sz="2000" b="1" u="sng">
+                <a:solidFill>
+                  <a:schemeClr val="dk1"/>
+                </a:solidFill>
+                <a:latin typeface="Times New Roman"/>
+                <a:ea typeface="Times New Roman"/>
+                <a:cs typeface="Times New Roman"/>
+                <a:sym typeface="Times New Roman"/>
+              </a:rPr>
+              <a:t>Algorithmic Steps  : </a:t>
+            </a:r>
+            <a:endParaRPr sz="2000">
+              <a:solidFill>
+                <a:schemeClr val="dk1"/>
+              </a:solidFill>
+              <a:latin typeface="Times New Roman"/>
+              <a:ea typeface="Times New Roman"/>
+              <a:cs typeface="Times New Roman"/>
+              <a:sym typeface="Times New Roman"/>
+            </a:endParaRPr>
+          </a:p>
+          <a:p>
+            <a:pPr marL="457200" lvl="0" indent="0" algn="l" rtl="0">
+              <a:lnSpc>
+                <a:spcPct val="80000"/>
+              </a:lnSpc>
+              <a:spcBef>
+                <a:spcPts val="50"/>
+              </a:spcBef>
+              <a:spcAft>
+                <a:spcPts val="0"/>
+              </a:spcAft>
+              <a:buSzPts val="1100"/>
+              <a:buNone/>
+            </a:pPr>
+            <a:endParaRPr sz="2000">
+              <a:solidFill>
+                <a:schemeClr val="dk1"/>
+              </a:solidFill>
+              <a:latin typeface="Times New Roman"/>
+              <a:ea typeface="Times New Roman"/>
+              <a:cs typeface="Times New Roman"/>
+              <a:sym typeface="Times New Roman"/>
+            </a:endParaRPr>
+          </a:p>
+          <a:p>
+            <a:pPr marL="457200" lvl="0" indent="0" algn="l" rtl="0">
+              <a:lnSpc>
+                <a:spcPct val="80000"/>
+              </a:lnSpc>
+              <a:spcBef>
+                <a:spcPts val="50"/>
+              </a:spcBef>
+              <a:spcAft>
+                <a:spcPts val="0"/>
+              </a:spcAft>
+              <a:buSzPts val="1100"/>
+              <a:buNone/>
+            </a:pPr>
+            <a:r>
+              <a:rPr lang="en" sz="2000" b="1">
+                <a:solidFill>
+                  <a:schemeClr val="dk1"/>
+                </a:solidFill>
+                <a:latin typeface="Times New Roman"/>
+                <a:ea typeface="Times New Roman"/>
+                <a:cs typeface="Times New Roman"/>
+                <a:sym typeface="Times New Roman"/>
+              </a:rPr>
+              <a:t>Send Request to PaLM API:</a:t>
+            </a:r>
+            <a:endParaRPr sz="2000">
+              <a:solidFill>
+                <a:schemeClr val="dk1"/>
+              </a:solidFill>
+              <a:latin typeface="Times New Roman"/>
+              <a:ea typeface="Times New Roman"/>
+              <a:cs typeface="Times New Roman"/>
+              <a:sym typeface="Times New Roman"/>
+            </a:endParaRPr>
+          </a:p>
+          <a:p>
+            <a:pPr marL="457200" lvl="0" indent="0" algn="l" rtl="0">
+              <a:lnSpc>
+                <a:spcPct val="80000"/>
+              </a:lnSpc>
+              <a:spcBef>
+                <a:spcPts val="50"/>
+              </a:spcBef>
+              <a:spcAft>
+                <a:spcPts val="0"/>
+              </a:spcAft>
+              <a:buSzPts val="1100"/>
+              <a:buNone/>
+            </a:pPr>
+            <a:r>
+              <a:rPr lang="en" sz="2000">
+                <a:solidFill>
+                  <a:schemeClr val="dk1"/>
+                </a:solidFill>
+                <a:latin typeface="Times New Roman"/>
+                <a:ea typeface="Times New Roman"/>
+                <a:cs typeface="Times New Roman"/>
+                <a:sym typeface="Times New Roman"/>
+              </a:rPr>
+              <a:t>Send the request to the PaLM API, which leverages the PaLM 2 language model for processing.</a:t>
+            </a:r>
+            <a:endParaRPr sz="2000">
+              <a:solidFill>
+                <a:schemeClr val="dk1"/>
+              </a:solidFill>
+              <a:latin typeface="Times New Roman"/>
+              <a:ea typeface="Times New Roman"/>
+              <a:cs typeface="Times New Roman"/>
+              <a:sym typeface="Times New Roman"/>
+            </a:endParaRPr>
+          </a:p>
+          <a:p>
+            <a:pPr marL="457200" lvl="0" indent="0" algn="l" rtl="0">
+              <a:lnSpc>
+                <a:spcPct val="80000"/>
+              </a:lnSpc>
+              <a:spcBef>
+                <a:spcPts val="50"/>
+              </a:spcBef>
+              <a:spcAft>
+                <a:spcPts val="0"/>
+              </a:spcAft>
+              <a:buSzPts val="1100"/>
+              <a:buNone/>
+            </a:pPr>
+            <a:endParaRPr sz="2000">
+              <a:solidFill>
+                <a:schemeClr val="dk1"/>
+              </a:solidFill>
+              <a:latin typeface="Times New Roman"/>
+              <a:ea typeface="Times New Roman"/>
+              <a:cs typeface="Times New Roman"/>
+              <a:sym typeface="Times New Roman"/>
+            </a:endParaRPr>
+          </a:p>
+          <a:p>
+            <a:pPr marL="457200" lvl="0" indent="0" algn="l" rtl="0">
+              <a:lnSpc>
+                <a:spcPct val="80000"/>
+              </a:lnSpc>
+              <a:spcBef>
+                <a:spcPts val="50"/>
+              </a:spcBef>
+              <a:spcAft>
+                <a:spcPts val="0"/>
+              </a:spcAft>
+              <a:buSzPts val="1100"/>
+              <a:buNone/>
+            </a:pPr>
+            <a:r>
+              <a:rPr lang="en" sz="2000" b="1">
+                <a:solidFill>
+                  <a:schemeClr val="dk1"/>
+                </a:solidFill>
+                <a:latin typeface="Times New Roman"/>
+                <a:ea typeface="Times New Roman"/>
+                <a:cs typeface="Times New Roman"/>
+                <a:sym typeface="Times New Roman"/>
+              </a:rPr>
+              <a:t>API Processing:</a:t>
+            </a:r>
+            <a:endParaRPr sz="2000">
+              <a:solidFill>
+                <a:schemeClr val="dk1"/>
+              </a:solidFill>
+              <a:latin typeface="Times New Roman"/>
+              <a:ea typeface="Times New Roman"/>
+              <a:cs typeface="Times New Roman"/>
+              <a:sym typeface="Times New Roman"/>
+            </a:endParaRPr>
+          </a:p>
+          <a:p>
+            <a:pPr marL="457200" lvl="0" indent="0" algn="l" rtl="0">
+              <a:lnSpc>
+                <a:spcPct val="80000"/>
+              </a:lnSpc>
+              <a:spcBef>
+                <a:spcPts val="50"/>
+              </a:spcBef>
+              <a:spcAft>
+                <a:spcPts val="0"/>
+              </a:spcAft>
+              <a:buSzPts val="1100"/>
+              <a:buNone/>
+            </a:pPr>
+            <a:r>
+              <a:rPr lang="en" sz="2000">
+                <a:solidFill>
+                  <a:schemeClr val="dk1"/>
+                </a:solidFill>
+                <a:latin typeface="Times New Roman"/>
+                <a:ea typeface="Times New Roman"/>
+                <a:cs typeface="Times New Roman"/>
+                <a:sym typeface="Times New Roman"/>
+              </a:rPr>
+              <a:t>The PaLM API processes your request using the state-of-the-art PaLM 2 language model, which is well-trained on a vast dataset of text and code.</a:t>
+            </a:r>
+            <a:endParaRPr sz="2000">
+              <a:solidFill>
+                <a:schemeClr val="dk1"/>
+              </a:solidFill>
+              <a:latin typeface="Times New Roman"/>
+              <a:ea typeface="Times New Roman"/>
+              <a:cs typeface="Times New Roman"/>
+              <a:sym typeface="Times New Roman"/>
+            </a:endParaRPr>
+          </a:p>
+          <a:p>
+            <a:pPr marL="457200" lvl="0" indent="0" algn="l" rtl="0">
+              <a:lnSpc>
+                <a:spcPct val="80000"/>
+              </a:lnSpc>
+              <a:spcBef>
+                <a:spcPts val="50"/>
+              </a:spcBef>
+              <a:spcAft>
+                <a:spcPts val="0"/>
+              </a:spcAft>
+              <a:buSzPts val="1100"/>
+              <a:buNone/>
+            </a:pPr>
+            <a:endParaRPr sz="2000">
+              <a:solidFill>
+                <a:schemeClr val="dk1"/>
+              </a:solidFill>
+              <a:latin typeface="Times New Roman"/>
+              <a:ea typeface="Times New Roman"/>
+              <a:cs typeface="Times New Roman"/>
+              <a:sym typeface="Times New Roman"/>
+            </a:endParaRPr>
+          </a:p>
+          <a:p>
+            <a:pPr marL="457200" lvl="0" indent="0" algn="l" rtl="0">
+              <a:lnSpc>
+                <a:spcPct val="80000"/>
+              </a:lnSpc>
+              <a:spcBef>
+                <a:spcPts val="50"/>
+              </a:spcBef>
+              <a:spcAft>
+                <a:spcPts val="0"/>
+              </a:spcAft>
+              <a:buSzPts val="1100"/>
+              <a:buNone/>
+            </a:pPr>
+            <a:r>
+              <a:rPr lang="en" sz="2000" b="1">
+                <a:solidFill>
+                  <a:schemeClr val="dk1"/>
+                </a:solidFill>
+                <a:latin typeface="Times New Roman"/>
+                <a:ea typeface="Times New Roman"/>
+                <a:cs typeface="Times New Roman"/>
+                <a:sym typeface="Times New Roman"/>
+              </a:rPr>
+              <a:t>Response Generation:</a:t>
+            </a:r>
+            <a:endParaRPr sz="2000" b="1">
+              <a:solidFill>
+                <a:schemeClr val="dk1"/>
+              </a:solidFill>
+              <a:latin typeface="Times New Roman"/>
+              <a:ea typeface="Times New Roman"/>
+              <a:cs typeface="Times New Roman"/>
+              <a:sym typeface="Times New Roman"/>
+            </a:endParaRPr>
+          </a:p>
+          <a:p>
+            <a:pPr marL="457200" lvl="0" indent="0" algn="l" rtl="0">
+              <a:lnSpc>
+                <a:spcPct val="80000"/>
+              </a:lnSpc>
+              <a:spcBef>
+                <a:spcPts val="50"/>
+              </a:spcBef>
+              <a:spcAft>
+                <a:spcPts val="0"/>
+              </a:spcAft>
+              <a:buSzPts val="1100"/>
+              <a:buNone/>
+            </a:pPr>
+            <a:r>
+              <a:rPr lang="en" sz="2000">
+                <a:solidFill>
+                  <a:schemeClr val="dk1"/>
+                </a:solidFill>
+                <a:latin typeface="Times New Roman"/>
+                <a:ea typeface="Times New Roman"/>
+                <a:cs typeface="Times New Roman"/>
+                <a:sym typeface="Times New Roman"/>
+              </a:rPr>
+              <a:t>The API generates a response based on the input parameters and the capabilities of the PaLM 2 model.</a:t>
+            </a:r>
+            <a:endParaRPr sz="2000">
+              <a:solidFill>
+                <a:schemeClr val="dk1"/>
+              </a:solidFill>
+              <a:latin typeface="Times New Roman"/>
+              <a:ea typeface="Times New Roman"/>
+              <a:cs typeface="Times New Roman"/>
+              <a:sym typeface="Times New Roman"/>
+            </a:endParaRPr>
+          </a:p>
+          <a:p>
+            <a:pPr marL="457200" lvl="0" indent="0" algn="l" rtl="0">
+              <a:lnSpc>
+                <a:spcPct val="80000"/>
+              </a:lnSpc>
+              <a:spcBef>
+                <a:spcPts val="50"/>
+              </a:spcBef>
+              <a:spcAft>
+                <a:spcPts val="0"/>
+              </a:spcAft>
+              <a:buSzPts val="1100"/>
+              <a:buNone/>
+            </a:pPr>
+            <a:endParaRPr sz="2000">
+              <a:solidFill>
+                <a:schemeClr val="dk1"/>
+              </a:solidFill>
+              <a:latin typeface="Times New Roman"/>
+              <a:ea typeface="Times New Roman"/>
+              <a:cs typeface="Times New Roman"/>
+              <a:sym typeface="Times New Roman"/>
+            </a:endParaRPr>
+          </a:p>
+          <a:p>
+            <a:pPr marL="457200" lvl="0" indent="0" algn="l" rtl="0">
+              <a:lnSpc>
+                <a:spcPct val="80000"/>
+              </a:lnSpc>
+              <a:spcBef>
+                <a:spcPts val="50"/>
+              </a:spcBef>
+              <a:spcAft>
+                <a:spcPts val="0"/>
+              </a:spcAft>
+              <a:buSzPts val="1100"/>
+              <a:buNone/>
+            </a:pPr>
+            <a:endParaRPr sz="2000" b="1">
+              <a:solidFill>
+                <a:schemeClr val="dk1"/>
+              </a:solidFill>
+              <a:latin typeface="Times New Roman"/>
+              <a:ea typeface="Times New Roman"/>
+              <a:cs typeface="Times New Roman"/>
+              <a:sym typeface="Times New Roman"/>
+            </a:endParaRPr>
+          </a:p>
+          <a:p>
+            <a:pPr marL="0" lvl="0" indent="0" algn="l" rtl="0">
+              <a:lnSpc>
+                <a:spcPct val="80000"/>
+              </a:lnSpc>
+              <a:spcBef>
+                <a:spcPts val="50"/>
+              </a:spcBef>
+              <a:spcAft>
+                <a:spcPts val="0"/>
+              </a:spcAft>
+              <a:buSzPts val="2800"/>
+              <a:buNone/>
+            </a:pPr>
+            <a:endParaRPr sz="2000" b="1">
+              <a:solidFill>
+                <a:schemeClr val="dk1"/>
+              </a:solidFill>
+              <a:latin typeface="Times New Roman"/>
+              <a:ea typeface="Times New Roman"/>
+              <a:cs typeface="Times New Roman"/>
+              <a:sym typeface="Times New Roman"/>
+            </a:endParaRPr>
+          </a:p>
+          <a:p>
+            <a:pPr marL="457200" lvl="0" indent="0" algn="l" rtl="0">
+              <a:lnSpc>
+                <a:spcPct val="80000"/>
+              </a:lnSpc>
+              <a:spcBef>
+                <a:spcPts val="50"/>
+              </a:spcBef>
+              <a:spcAft>
+                <a:spcPts val="0"/>
+              </a:spcAft>
+              <a:buNone/>
+            </a:pPr>
+            <a:endParaRPr sz="2000">
+              <a:solidFill>
+                <a:schemeClr val="dk1"/>
+              </a:solidFill>
+              <a:latin typeface="Times New Roman"/>
+              <a:ea typeface="Times New Roman"/>
+              <a:cs typeface="Times New Roman"/>
+              <a:sym typeface="Times New Roman"/>
+            </a:endParaRPr>
+          </a:p>
+          <a:p>
+            <a:pPr marL="457200" lvl="0" indent="0" algn="l" rtl="0">
+              <a:lnSpc>
+                <a:spcPct val="80000"/>
+              </a:lnSpc>
+              <a:spcBef>
+                <a:spcPts val="0"/>
+              </a:spcBef>
+              <a:spcAft>
+                <a:spcPts val="0"/>
+              </a:spcAft>
+              <a:buNone/>
+            </a:pPr>
+            <a:endParaRPr sz="2000">
+              <a:solidFill>
+                <a:schemeClr val="dk1"/>
+              </a:solidFill>
+              <a:latin typeface="Times New Roman"/>
+              <a:ea typeface="Times New Roman"/>
+              <a:cs typeface="Times New Roman"/>
+              <a:sym typeface="Times New Roman"/>
+            </a:endParaRPr>
+          </a:p>
+          <a:p>
+            <a:pPr marL="457200" lvl="0" indent="0" algn="l" rtl="0">
+              <a:lnSpc>
+                <a:spcPct val="80000"/>
+              </a:lnSpc>
+              <a:spcBef>
+                <a:spcPts val="0"/>
+              </a:spcBef>
+              <a:spcAft>
+                <a:spcPts val="0"/>
+              </a:spcAft>
+              <a:buNone/>
+            </a:pPr>
+            <a:endParaRPr sz="2000" b="1">
+              <a:solidFill>
+                <a:schemeClr val="dk1"/>
+              </a:solidFill>
+              <a:latin typeface="Times New Roman"/>
+              <a:ea typeface="Times New Roman"/>
+              <a:cs typeface="Times New Roman"/>
+              <a:sym typeface="Times New Roman"/>
+            </a:endParaRPr>
+          </a:p>
+          <a:p>
+            <a:pPr marL="457200" lvl="0" indent="0" algn="l" rtl="0">
+              <a:lnSpc>
+                <a:spcPct val="80000"/>
+              </a:lnSpc>
+              <a:spcBef>
+                <a:spcPts val="0"/>
+              </a:spcBef>
+              <a:spcAft>
+                <a:spcPts val="0"/>
+              </a:spcAft>
+              <a:buNone/>
+            </a:pPr>
+            <a:endParaRPr sz="2000" b="1">
+              <a:solidFill>
+                <a:schemeClr val="dk1"/>
+              </a:solidFill>
+              <a:latin typeface="Times New Roman"/>
+              <a:ea typeface="Times New Roman"/>
+              <a:cs typeface="Times New Roman"/>
+              <a:sym typeface="Times New Roman"/>
+            </a:endParaRPr>
+          </a:p>
+        </p:txBody>
+      </p:sp>
+      <p:sp>
+        <p:nvSpPr>
+          <p:cNvPr id="156" name="Google Shape;156;p27"/>
+          <p:cNvSpPr txBox="1">
+            <a:spLocks noGrp="1"/>
+          </p:cNvSpPr>
+          <p:nvPr>
+            <p:ph type="ctrTitle"/>
+          </p:nvPr>
+        </p:nvSpPr>
+        <p:spPr>
+          <a:xfrm>
+            <a:off x="311700" y="142875"/>
+            <a:ext cx="8520600" cy="1143000"/>
+          </a:xfrm>
+          <a:prstGeom prst="rect">
+            <a:avLst/>
+          </a:prstGeom>
+          <a:noFill/>
+          <a:ln>
+            <a:noFill/>
+          </a:ln>
+        </p:spPr>
+        <p:txBody>
+          <a:bodyPr spcFirstLastPara="1" wrap="square" lIns="91425" tIns="91425" rIns="91425" bIns="91425" anchor="b" anchorCtr="0">
+            <a:normAutofit fontScale="90000"/>
+          </a:bodyPr>
+          <a:lstStyle/>
+          <a:p>
+            <a:pPr marL="0" lvl="0" indent="0" algn="ctr" rtl="0">
+              <a:lnSpc>
+                <a:spcPct val="115000"/>
+              </a:lnSpc>
+              <a:spcBef>
+                <a:spcPts val="0"/>
+              </a:spcBef>
+              <a:spcAft>
+                <a:spcPts val="0"/>
+              </a:spcAft>
+              <a:buClr>
+                <a:schemeClr val="dk1"/>
+              </a:buClr>
+              <a:buSzPts val="5200"/>
+              <a:buFont typeface="Arial"/>
+              <a:buNone/>
+            </a:pPr>
+            <a:r>
+              <a:rPr lang="en" sz="1200" b="1">
+                <a:solidFill>
+                  <a:srgbClr val="00000A"/>
+                </a:solidFill>
+                <a:latin typeface="Times New Roman"/>
+                <a:ea typeface="Times New Roman"/>
+                <a:cs typeface="Times New Roman"/>
+                <a:sym typeface="Times New Roman"/>
+              </a:rPr>
+              <a:t>Marathwada Mitra Mandal’s College of Engineering</a:t>
+            </a:r>
+            <a:endParaRPr sz="1200" b="1">
+              <a:solidFill>
+                <a:srgbClr val="00000A"/>
+              </a:solidFill>
+              <a:latin typeface="Times New Roman"/>
+              <a:ea typeface="Times New Roman"/>
+              <a:cs typeface="Times New Roman"/>
+              <a:sym typeface="Times New Roman"/>
+            </a:endParaRPr>
+          </a:p>
+          <a:p>
+            <a:pPr marL="0" lvl="0" indent="0" algn="ctr" rtl="0">
+              <a:lnSpc>
+                <a:spcPct val="115000"/>
+              </a:lnSpc>
+              <a:spcBef>
+                <a:spcPts val="0"/>
+              </a:spcBef>
+              <a:spcAft>
+                <a:spcPts val="0"/>
+              </a:spcAft>
+              <a:buSzPts val="5200"/>
+              <a:buNone/>
+            </a:pPr>
+            <a:r>
+              <a:rPr lang="en" sz="1200" b="1">
+                <a:solidFill>
+                  <a:srgbClr val="00000A"/>
+                </a:solidFill>
+                <a:latin typeface="Times New Roman"/>
+                <a:ea typeface="Times New Roman"/>
+                <a:cs typeface="Times New Roman"/>
+                <a:sym typeface="Times New Roman"/>
+              </a:rPr>
+              <a:t>Karvenagar, Pune</a:t>
+            </a:r>
+            <a:endParaRPr sz="1200" b="1">
+              <a:solidFill>
+                <a:srgbClr val="00000A"/>
+              </a:solidFill>
+              <a:latin typeface="Times New Roman"/>
+              <a:ea typeface="Times New Roman"/>
+              <a:cs typeface="Times New Roman"/>
+              <a:sym typeface="Times New Roman"/>
+            </a:endParaRPr>
+          </a:p>
+          <a:p>
+            <a:pPr marL="0" lvl="0" indent="0" algn="ctr" rtl="0">
+              <a:lnSpc>
+                <a:spcPct val="115000"/>
+              </a:lnSpc>
+              <a:spcBef>
+                <a:spcPts val="0"/>
+              </a:spcBef>
+              <a:spcAft>
+                <a:spcPts val="0"/>
+              </a:spcAft>
+              <a:buSzPts val="5200"/>
+              <a:buNone/>
+            </a:pPr>
+            <a:r>
+              <a:rPr lang="en" sz="1200">
+                <a:solidFill>
+                  <a:srgbClr val="00000A"/>
+                </a:solidFill>
+                <a:latin typeface="Times New Roman"/>
+                <a:ea typeface="Times New Roman"/>
+                <a:cs typeface="Times New Roman"/>
+                <a:sym typeface="Times New Roman"/>
+              </a:rPr>
+              <a:t>Permanently Affiliated to SPPU | Accredited with ‘A++’ grade by NAAC | Recipient of ‘Best College’ award by SPPU,</a:t>
+            </a:r>
+            <a:endParaRPr sz="1200">
+              <a:solidFill>
+                <a:srgbClr val="00000A"/>
+              </a:solidFill>
+              <a:latin typeface="Times New Roman"/>
+              <a:ea typeface="Times New Roman"/>
+              <a:cs typeface="Times New Roman"/>
+              <a:sym typeface="Times New Roman"/>
+            </a:endParaRPr>
+          </a:p>
+          <a:p>
+            <a:pPr marL="0" lvl="0" indent="0" algn="ctr" rtl="0">
+              <a:lnSpc>
+                <a:spcPct val="115000"/>
+              </a:lnSpc>
+              <a:spcBef>
+                <a:spcPts val="0"/>
+              </a:spcBef>
+              <a:spcAft>
+                <a:spcPts val="0"/>
+              </a:spcAft>
+              <a:buSzPts val="5200"/>
+              <a:buNone/>
+            </a:pPr>
+            <a:r>
+              <a:rPr lang="en" sz="1200">
+                <a:solidFill>
+                  <a:srgbClr val="00000A"/>
+                </a:solidFill>
+                <a:latin typeface="Times New Roman"/>
+                <a:ea typeface="Times New Roman"/>
+                <a:cs typeface="Times New Roman"/>
+                <a:sym typeface="Times New Roman"/>
+              </a:rPr>
+              <a:t> Accredited by NBA ( Electrical Engg and Mechanical Engg) | Recognized under 2(f) and 12(B) of UGC Act 1956 |ISO 9001:2015 certified</a:t>
+            </a:r>
+            <a:endParaRPr sz="1200">
+              <a:solidFill>
+                <a:srgbClr val="00000A"/>
+              </a:solidFill>
+              <a:latin typeface="Times New Roman"/>
+              <a:ea typeface="Times New Roman"/>
+              <a:cs typeface="Times New Roman"/>
+              <a:sym typeface="Times New Roman"/>
+            </a:endParaRPr>
+          </a:p>
+          <a:p>
+            <a:pPr marL="0" lvl="0" indent="0" algn="ctr" rtl="0">
+              <a:lnSpc>
+                <a:spcPct val="115000"/>
+              </a:lnSpc>
+              <a:spcBef>
+                <a:spcPts val="0"/>
+              </a:spcBef>
+              <a:spcAft>
+                <a:spcPts val="0"/>
+              </a:spcAft>
+              <a:buSzPts val="5200"/>
+              <a:buNone/>
+            </a:pPr>
+            <a:r>
+              <a:rPr lang="en" sz="1200" b="1">
+                <a:solidFill>
+                  <a:srgbClr val="00000A"/>
+                </a:solidFill>
+                <a:latin typeface="Times New Roman"/>
+                <a:ea typeface="Times New Roman"/>
+                <a:cs typeface="Times New Roman"/>
+                <a:sym typeface="Times New Roman"/>
+              </a:rPr>
+              <a:t>Department of Computer Engineering</a:t>
+            </a:r>
+            <a:endParaRPr sz="1200" b="1">
+              <a:solidFill>
+                <a:srgbClr val="00000A"/>
+              </a:solidFill>
+              <a:latin typeface="Times New Roman"/>
+              <a:ea typeface="Times New Roman"/>
+              <a:cs typeface="Times New Roman"/>
+              <a:sym typeface="Times New Roman"/>
+            </a:endParaRPr>
+          </a:p>
+        </p:txBody>
+      </p:sp>
+      <p:pic>
+        <p:nvPicPr>
+          <p:cNvPr id="157" name="Google Shape;157;p27"/>
+          <p:cNvPicPr preferRelativeResize="0"/>
+          <p:nvPr/>
+        </p:nvPicPr>
+        <p:blipFill rotWithShape="1">
+          <a:blip r:embed="rId3">
+            <a:alphaModFix/>
+          </a:blip>
+          <a:srcRect/>
+          <a:stretch/>
+        </p:blipFill>
+        <p:spPr>
+          <a:xfrm>
+            <a:off x="7960875" y="142875"/>
+            <a:ext cx="581025" cy="623200"/>
+          </a:xfrm>
+          <a:prstGeom prst="rect">
+            <a:avLst/>
+          </a:prstGeom>
+          <a:noFill/>
+          <a:ln>
+            <a:noFill/>
+          </a:ln>
+        </p:spPr>
+      </p:pic>
+    </p:spTree>
+  </p:cSld>
+  <p:clrMapOvr>
+    <a:masterClrMapping/>
+  </p:clrMapOvr>
+</p:sld>
+</file>
+
+<file path=ppt/slides/slide21.xml><?xml version="1.0" encoding="utf-8"?>
+<p:sld xmlns:a="http://schemas.openxmlformats.org/drawingml/2006/main" xmlns:r="http://schemas.openxmlformats.org/officeDocument/2006/relationships" xmlns:p="http://schemas.openxmlformats.org/presentationml/2006/main">
+  <p:cSld>
+    <p:spTree>
+      <p:nvGrpSpPr>
         <p:cNvPr id="1" name="Shape 161"/>
         <p:cNvGrpSpPr/>
         <p:nvPr/>
@@ -20138,7 +20355,7 @@
 </p:sld>
 </file>
 
-<file path=ppt/slides/slide21.xml><?xml version="1.0" encoding="utf-8"?>
+<file path=ppt/slides/slide22.xml><?xml version="1.0" encoding="utf-8"?>
 <p:sld xmlns:a="http://schemas.openxmlformats.org/drawingml/2006/main" xmlns:r="http://schemas.openxmlformats.org/officeDocument/2006/relationships" xmlns:p="http://schemas.openxmlformats.org/presentationml/2006/main">
   <p:cSld>
     <p:spTree>
@@ -20950,7 +21167,7 @@
 </p:sld>
 </file>
 
-<file path=ppt/slides/slide22.xml><?xml version="1.0" encoding="utf-8"?>
+<file path=ppt/slides/slide23.xml><?xml version="1.0" encoding="utf-8"?>
 <p:sld xmlns:a="http://schemas.openxmlformats.org/drawingml/2006/main" xmlns:r="http://schemas.openxmlformats.org/officeDocument/2006/relationships" xmlns:p="http://schemas.openxmlformats.org/presentationml/2006/main">
   <p:cSld>
     <p:spTree>
@@ -21574,7 +21791,7 @@
 </p:sld>
 </file>
 
-<file path=ppt/slides/slide23.xml><?xml version="1.0" encoding="utf-8"?>
+<file path=ppt/slides/slide24.xml><?xml version="1.0" encoding="utf-8"?>
 <p:sld xmlns:a="http://schemas.openxmlformats.org/drawingml/2006/main" xmlns:r="http://schemas.openxmlformats.org/officeDocument/2006/relationships" xmlns:p="http://schemas.openxmlformats.org/presentationml/2006/main">
   <p:cSld>
     <p:spTree>
@@ -22087,7 +22304,7 @@
 </p:sld>
 </file>
 
-<file path=ppt/slides/slide24.xml><?xml version="1.0" encoding="utf-8"?>
+<file path=ppt/slides/slide25.xml><?xml version="1.0" encoding="utf-8"?>
 <p:sld xmlns:a="http://schemas.openxmlformats.org/drawingml/2006/main" xmlns:r="http://schemas.openxmlformats.org/officeDocument/2006/relationships" xmlns:p="http://schemas.openxmlformats.org/presentationml/2006/main">
   <p:cSld>
     <p:spTree>
@@ -22589,7 +22806,7 @@
 </p:sld>
 </file>
 
-<file path=ppt/slides/slide25.xml><?xml version="1.0" encoding="utf-8"?>
+<file path=ppt/slides/slide26.xml><?xml version="1.0" encoding="utf-8"?>
 <p:sld xmlns:a="http://schemas.openxmlformats.org/drawingml/2006/main" xmlns:r="http://schemas.openxmlformats.org/officeDocument/2006/relationships" xmlns:p="http://schemas.openxmlformats.org/presentationml/2006/main">
   <p:cSld>
     <p:spTree>
@@ -23269,7 +23486,7 @@
 </p:sld>
 </file>
 
-<file path=ppt/slides/slide26.xml><?xml version="1.0" encoding="utf-8"?>
+<file path=ppt/slides/slide27.xml><?xml version="1.0" encoding="utf-8"?>
 <p:sld xmlns:a="http://schemas.openxmlformats.org/drawingml/2006/main" xmlns:r="http://schemas.openxmlformats.org/officeDocument/2006/relationships" xmlns:p="http://schemas.openxmlformats.org/presentationml/2006/main">
   <p:cSld>
     <p:spTree>
@@ -23924,7 +24141,609 @@
 </p:sld>
 </file>
 
-<file path=ppt/slides/slide27.xml><?xml version="1.0" encoding="utf-8"?>
+<file path=ppt/slides/slide28.xml><?xml version="1.0" encoding="utf-8"?>
+<p:sld xmlns:a="http://schemas.openxmlformats.org/drawingml/2006/main" xmlns:r="http://schemas.openxmlformats.org/officeDocument/2006/relationships" xmlns:p="http://schemas.openxmlformats.org/presentationml/2006/main">
+  <p:cSld>
+    <p:spTree>
+      <p:nvGrpSpPr>
+        <p:cNvPr id="1" name="Shape 200">
+          <a:extLst>
+            <a:ext uri="{FF2B5EF4-FFF2-40B4-BE49-F238E27FC236}">
+              <a16:creationId xmlns:a16="http://schemas.microsoft.com/office/drawing/2014/main" id="{1CAEDAD7-2A6E-1E2F-57F6-53F22D398525}"/>
+            </a:ext>
+          </a:extLst>
+        </p:cNvPr>
+        <p:cNvGrpSpPr/>
+        <p:nvPr/>
+      </p:nvGrpSpPr>
+      <p:grpSpPr>
+        <a:xfrm>
+          <a:off x="0" y="0"/>
+          <a:ext cx="0" cy="0"/>
+          <a:chOff x="0" y="0"/>
+          <a:chExt cx="0" cy="0"/>
+        </a:xfrm>
+      </p:grpSpPr>
+      <p:sp>
+        <p:nvSpPr>
+          <p:cNvPr id="201" name="Google Shape;201;p33">
+            <a:extLst>
+              <a:ext uri="{FF2B5EF4-FFF2-40B4-BE49-F238E27FC236}">
+                <a16:creationId xmlns:a16="http://schemas.microsoft.com/office/drawing/2014/main" id="{3204218F-C2DB-F3C6-9AC3-054198B0C62C}"/>
+              </a:ext>
+            </a:extLst>
+          </p:cNvPr>
+          <p:cNvSpPr txBox="1">
+            <a:spLocks noGrp="1"/>
+          </p:cNvSpPr>
+          <p:nvPr>
+            <p:ph type="ctrTitle"/>
+          </p:nvPr>
+        </p:nvSpPr>
+        <p:spPr>
+          <a:xfrm>
+            <a:off x="311700" y="142875"/>
+            <a:ext cx="8520600" cy="1143000"/>
+          </a:xfrm>
+          <a:prstGeom prst="rect">
+            <a:avLst/>
+          </a:prstGeom>
+          <a:noFill/>
+          <a:ln>
+            <a:noFill/>
+          </a:ln>
+        </p:spPr>
+        <p:txBody>
+          <a:bodyPr spcFirstLastPara="1" wrap="square" lIns="91425" tIns="91425" rIns="91425" bIns="91425" anchor="b" anchorCtr="0">
+            <a:normAutofit fontScale="90000"/>
+          </a:bodyPr>
+          <a:lstStyle/>
+          <a:p>
+            <a:pPr marL="0" lvl="0" indent="0" algn="ctr" rtl="0">
+              <a:lnSpc>
+                <a:spcPct val="115000"/>
+              </a:lnSpc>
+              <a:spcBef>
+                <a:spcPts val="0"/>
+              </a:spcBef>
+              <a:spcAft>
+                <a:spcPts val="0"/>
+              </a:spcAft>
+              <a:buClr>
+                <a:schemeClr val="dk1"/>
+              </a:buClr>
+              <a:buSzPts val="5200"/>
+              <a:buFont typeface="Arial"/>
+              <a:buNone/>
+            </a:pPr>
+            <a:r>
+              <a:rPr lang="en" sz="1200" b="1" dirty="0">
+                <a:solidFill>
+                  <a:srgbClr val="00000A"/>
+                </a:solidFill>
+                <a:latin typeface="Times New Roman"/>
+                <a:ea typeface="Times New Roman"/>
+                <a:cs typeface="Times New Roman"/>
+                <a:sym typeface="Times New Roman"/>
+              </a:rPr>
+              <a:t>Marathwada Mitra Mandal’s College of Engineering</a:t>
+            </a:r>
+            <a:endParaRPr sz="1200" b="1" dirty="0">
+              <a:solidFill>
+                <a:srgbClr val="00000A"/>
+              </a:solidFill>
+              <a:latin typeface="Times New Roman"/>
+              <a:ea typeface="Times New Roman"/>
+              <a:cs typeface="Times New Roman"/>
+              <a:sym typeface="Times New Roman"/>
+            </a:endParaRPr>
+          </a:p>
+          <a:p>
+            <a:pPr marL="0" lvl="0" indent="0" algn="ctr" rtl="0">
+              <a:lnSpc>
+                <a:spcPct val="115000"/>
+              </a:lnSpc>
+              <a:spcBef>
+                <a:spcPts val="0"/>
+              </a:spcBef>
+              <a:spcAft>
+                <a:spcPts val="0"/>
+              </a:spcAft>
+              <a:buSzPts val="5200"/>
+              <a:buNone/>
+            </a:pPr>
+            <a:r>
+              <a:rPr lang="en" sz="1200" b="1" dirty="0">
+                <a:solidFill>
+                  <a:srgbClr val="00000A"/>
+                </a:solidFill>
+                <a:latin typeface="Times New Roman"/>
+                <a:ea typeface="Times New Roman"/>
+                <a:cs typeface="Times New Roman"/>
+                <a:sym typeface="Times New Roman"/>
+              </a:rPr>
+              <a:t>Karvenagar, Pune</a:t>
+            </a:r>
+            <a:endParaRPr sz="1200" b="1" dirty="0">
+              <a:solidFill>
+                <a:srgbClr val="00000A"/>
+              </a:solidFill>
+              <a:latin typeface="Times New Roman"/>
+              <a:ea typeface="Times New Roman"/>
+              <a:cs typeface="Times New Roman"/>
+              <a:sym typeface="Times New Roman"/>
+            </a:endParaRPr>
+          </a:p>
+          <a:p>
+            <a:pPr marL="0" lvl="0" indent="0" algn="ctr" rtl="0">
+              <a:lnSpc>
+                <a:spcPct val="115000"/>
+              </a:lnSpc>
+              <a:spcBef>
+                <a:spcPts val="0"/>
+              </a:spcBef>
+              <a:spcAft>
+                <a:spcPts val="0"/>
+              </a:spcAft>
+              <a:buSzPts val="5200"/>
+              <a:buNone/>
+            </a:pPr>
+            <a:r>
+              <a:rPr lang="en" sz="1200" dirty="0">
+                <a:solidFill>
+                  <a:srgbClr val="00000A"/>
+                </a:solidFill>
+                <a:latin typeface="Times New Roman"/>
+                <a:ea typeface="Times New Roman"/>
+                <a:cs typeface="Times New Roman"/>
+                <a:sym typeface="Times New Roman"/>
+              </a:rPr>
+              <a:t>Permanently Affiliated to SPPU | Accredited with ‘A++’ grade by NAAC | Recipient of ‘Best College’ award by SPPU,</a:t>
+            </a:r>
+            <a:endParaRPr sz="1200" dirty="0">
+              <a:solidFill>
+                <a:srgbClr val="00000A"/>
+              </a:solidFill>
+              <a:latin typeface="Times New Roman"/>
+              <a:ea typeface="Times New Roman"/>
+              <a:cs typeface="Times New Roman"/>
+              <a:sym typeface="Times New Roman"/>
+            </a:endParaRPr>
+          </a:p>
+          <a:p>
+            <a:pPr marL="0" lvl="0" indent="0" algn="ctr" rtl="0">
+              <a:lnSpc>
+                <a:spcPct val="115000"/>
+              </a:lnSpc>
+              <a:spcBef>
+                <a:spcPts val="0"/>
+              </a:spcBef>
+              <a:spcAft>
+                <a:spcPts val="0"/>
+              </a:spcAft>
+              <a:buSzPts val="5200"/>
+              <a:buNone/>
+            </a:pPr>
+            <a:r>
+              <a:rPr lang="en" sz="1200" dirty="0">
+                <a:solidFill>
+                  <a:srgbClr val="00000A"/>
+                </a:solidFill>
+                <a:latin typeface="Times New Roman"/>
+                <a:ea typeface="Times New Roman"/>
+                <a:cs typeface="Times New Roman"/>
+                <a:sym typeface="Times New Roman"/>
+              </a:rPr>
+              <a:t> Accredited by NBA ( Electrical Engg and Mechanical Engg) | Recognized under 2(f) and 12(B) of UGC Act 1956 |ISO 9001:2015 certified</a:t>
+            </a:r>
+            <a:endParaRPr sz="1200" dirty="0">
+              <a:solidFill>
+                <a:srgbClr val="00000A"/>
+              </a:solidFill>
+              <a:latin typeface="Times New Roman"/>
+              <a:ea typeface="Times New Roman"/>
+              <a:cs typeface="Times New Roman"/>
+              <a:sym typeface="Times New Roman"/>
+            </a:endParaRPr>
+          </a:p>
+          <a:p>
+            <a:pPr marL="0" lvl="0" indent="0" algn="ctr" rtl="0">
+              <a:lnSpc>
+                <a:spcPct val="115000"/>
+              </a:lnSpc>
+              <a:spcBef>
+                <a:spcPts val="0"/>
+              </a:spcBef>
+              <a:spcAft>
+                <a:spcPts val="0"/>
+              </a:spcAft>
+              <a:buSzPts val="5200"/>
+              <a:buNone/>
+            </a:pPr>
+            <a:r>
+              <a:rPr lang="en" sz="1200" b="1" dirty="0">
+                <a:solidFill>
+                  <a:srgbClr val="00000A"/>
+                </a:solidFill>
+                <a:latin typeface="Times New Roman"/>
+                <a:ea typeface="Times New Roman"/>
+                <a:cs typeface="Times New Roman"/>
+                <a:sym typeface="Times New Roman"/>
+              </a:rPr>
+              <a:t>Department of Computer Engineering</a:t>
+            </a:r>
+            <a:endParaRPr sz="1200" b="1" dirty="0">
+              <a:solidFill>
+                <a:srgbClr val="00000A"/>
+              </a:solidFill>
+              <a:latin typeface="Times New Roman"/>
+              <a:ea typeface="Times New Roman"/>
+              <a:cs typeface="Times New Roman"/>
+              <a:sym typeface="Times New Roman"/>
+            </a:endParaRPr>
+          </a:p>
+        </p:txBody>
+      </p:sp>
+      <p:pic>
+        <p:nvPicPr>
+          <p:cNvPr id="203" name="Google Shape;203;p33">
+            <a:extLst>
+              <a:ext uri="{FF2B5EF4-FFF2-40B4-BE49-F238E27FC236}">
+                <a16:creationId xmlns:a16="http://schemas.microsoft.com/office/drawing/2014/main" id="{0E7D0B87-05F9-3CB9-1524-4AA8233531B8}"/>
+              </a:ext>
+            </a:extLst>
+          </p:cNvPr>
+          <p:cNvPicPr preferRelativeResize="0"/>
+          <p:nvPr/>
+        </p:nvPicPr>
+        <p:blipFill rotWithShape="1">
+          <a:blip r:embed="rId3">
+            <a:alphaModFix/>
+          </a:blip>
+          <a:srcRect/>
+          <a:stretch/>
+        </p:blipFill>
+        <p:spPr>
+          <a:xfrm>
+            <a:off x="7960875" y="142875"/>
+            <a:ext cx="581025" cy="623200"/>
+          </a:xfrm>
+          <a:prstGeom prst="rect">
+            <a:avLst/>
+          </a:prstGeom>
+          <a:noFill/>
+          <a:ln>
+            <a:noFill/>
+          </a:ln>
+        </p:spPr>
+      </p:pic>
+      <p:sp>
+        <p:nvSpPr>
+          <p:cNvPr id="4" name="Text Placeholder 2">
+            <a:extLst>
+              <a:ext uri="{FF2B5EF4-FFF2-40B4-BE49-F238E27FC236}">
+                <a16:creationId xmlns:a16="http://schemas.microsoft.com/office/drawing/2014/main" id="{1CA1E955-7210-28BA-6014-0453063BB6FA}"/>
+              </a:ext>
+            </a:extLst>
+          </p:cNvPr>
+          <p:cNvSpPr txBox="1">
+            <a:spLocks/>
+          </p:cNvSpPr>
+          <p:nvPr/>
+        </p:nvSpPr>
+        <p:spPr>
+          <a:xfrm>
+            <a:off x="0" y="1401023"/>
+            <a:ext cx="9079800" cy="5221463"/>
+          </a:xfrm>
+          <a:prstGeom prst="rect">
+            <a:avLst/>
+          </a:prstGeom>
+          <a:noFill/>
+          <a:ln>
+            <a:noFill/>
+          </a:ln>
+        </p:spPr>
+        <p:txBody>
+          <a:bodyPr spcFirstLastPara="1" wrap="square" lIns="91425" tIns="91425" rIns="91425" bIns="91425" anchor="t" anchorCtr="0">
+            <a:normAutofit/>
+          </a:bodyPr>
+          <a:lstStyle>
+            <a:defPPr marR="0" lvl="0" algn="l" rtl="0">
+              <a:lnSpc>
+                <a:spcPct val="100000"/>
+              </a:lnSpc>
+              <a:spcBef>
+                <a:spcPts val="0"/>
+              </a:spcBef>
+              <a:spcAft>
+                <a:spcPts val="0"/>
+              </a:spcAft>
+            </a:defPPr>
+            <a:lvl1pPr marL="457200" marR="0" lvl="0" indent="-342900" algn="ctr" rtl="0">
+              <a:lnSpc>
+                <a:spcPct val="100000"/>
+              </a:lnSpc>
+              <a:spcBef>
+                <a:spcPts val="0"/>
+              </a:spcBef>
+              <a:spcAft>
+                <a:spcPts val="0"/>
+              </a:spcAft>
+              <a:buClr>
+                <a:schemeClr val="dk2"/>
+              </a:buClr>
+              <a:buSzPts val="2800"/>
+              <a:buFont typeface="Arial"/>
+              <a:buNone/>
+              <a:defRPr sz="2800" b="0" i="0" u="none" strike="noStrike" cap="none">
+                <a:solidFill>
+                  <a:schemeClr val="dk2"/>
+                </a:solidFill>
+                <a:latin typeface="Arial"/>
+                <a:ea typeface="Arial"/>
+                <a:cs typeface="Arial"/>
+                <a:sym typeface="Arial"/>
+              </a:defRPr>
+            </a:lvl1pPr>
+            <a:lvl2pPr marL="914400" marR="0" lvl="1" indent="-317500" algn="ctr" rtl="0">
+              <a:lnSpc>
+                <a:spcPct val="100000"/>
+              </a:lnSpc>
+              <a:spcBef>
+                <a:spcPts val="0"/>
+              </a:spcBef>
+              <a:spcAft>
+                <a:spcPts val="0"/>
+              </a:spcAft>
+              <a:buClr>
+                <a:schemeClr val="dk2"/>
+              </a:buClr>
+              <a:buSzPts val="2800"/>
+              <a:buFont typeface="Arial"/>
+              <a:buNone/>
+              <a:defRPr sz="2800" b="0" i="0" u="none" strike="noStrike" cap="none">
+                <a:solidFill>
+                  <a:schemeClr val="dk2"/>
+                </a:solidFill>
+                <a:latin typeface="Arial"/>
+                <a:ea typeface="Arial"/>
+                <a:cs typeface="Arial"/>
+                <a:sym typeface="Arial"/>
+              </a:defRPr>
+            </a:lvl2pPr>
+            <a:lvl3pPr marL="1371600" marR="0" lvl="2" indent="-317500" algn="ctr" rtl="0">
+              <a:lnSpc>
+                <a:spcPct val="100000"/>
+              </a:lnSpc>
+              <a:spcBef>
+                <a:spcPts val="0"/>
+              </a:spcBef>
+              <a:spcAft>
+                <a:spcPts val="0"/>
+              </a:spcAft>
+              <a:buClr>
+                <a:schemeClr val="dk2"/>
+              </a:buClr>
+              <a:buSzPts val="2800"/>
+              <a:buFont typeface="Arial"/>
+              <a:buNone/>
+              <a:defRPr sz="2800" b="0" i="0" u="none" strike="noStrike" cap="none">
+                <a:solidFill>
+                  <a:schemeClr val="dk2"/>
+                </a:solidFill>
+                <a:latin typeface="Arial"/>
+                <a:ea typeface="Arial"/>
+                <a:cs typeface="Arial"/>
+                <a:sym typeface="Arial"/>
+              </a:defRPr>
+            </a:lvl3pPr>
+            <a:lvl4pPr marL="1828800" marR="0" lvl="3" indent="-317500" algn="ctr" rtl="0">
+              <a:lnSpc>
+                <a:spcPct val="100000"/>
+              </a:lnSpc>
+              <a:spcBef>
+                <a:spcPts val="0"/>
+              </a:spcBef>
+              <a:spcAft>
+                <a:spcPts val="0"/>
+              </a:spcAft>
+              <a:buClr>
+                <a:schemeClr val="dk2"/>
+              </a:buClr>
+              <a:buSzPts val="2800"/>
+              <a:buFont typeface="Arial"/>
+              <a:buNone/>
+              <a:defRPr sz="2800" b="0" i="0" u="none" strike="noStrike" cap="none">
+                <a:solidFill>
+                  <a:schemeClr val="dk2"/>
+                </a:solidFill>
+                <a:latin typeface="Arial"/>
+                <a:ea typeface="Arial"/>
+                <a:cs typeface="Arial"/>
+                <a:sym typeface="Arial"/>
+              </a:defRPr>
+            </a:lvl4pPr>
+            <a:lvl5pPr marL="2286000" marR="0" lvl="4" indent="-317500" algn="ctr" rtl="0">
+              <a:lnSpc>
+                <a:spcPct val="100000"/>
+              </a:lnSpc>
+              <a:spcBef>
+                <a:spcPts val="0"/>
+              </a:spcBef>
+              <a:spcAft>
+                <a:spcPts val="0"/>
+              </a:spcAft>
+              <a:buClr>
+                <a:schemeClr val="dk2"/>
+              </a:buClr>
+              <a:buSzPts val="2800"/>
+              <a:buFont typeface="Arial"/>
+              <a:buNone/>
+              <a:defRPr sz="2800" b="0" i="0" u="none" strike="noStrike" cap="none">
+                <a:solidFill>
+                  <a:schemeClr val="dk2"/>
+                </a:solidFill>
+                <a:latin typeface="Arial"/>
+                <a:ea typeface="Arial"/>
+                <a:cs typeface="Arial"/>
+                <a:sym typeface="Arial"/>
+              </a:defRPr>
+            </a:lvl5pPr>
+            <a:lvl6pPr marL="2743200" marR="0" lvl="5" indent="-317500" algn="ctr" rtl="0">
+              <a:lnSpc>
+                <a:spcPct val="100000"/>
+              </a:lnSpc>
+              <a:spcBef>
+                <a:spcPts val="0"/>
+              </a:spcBef>
+              <a:spcAft>
+                <a:spcPts val="0"/>
+              </a:spcAft>
+              <a:buClr>
+                <a:schemeClr val="dk2"/>
+              </a:buClr>
+              <a:buSzPts val="2800"/>
+              <a:buFont typeface="Arial"/>
+              <a:buNone/>
+              <a:defRPr sz="2800" b="0" i="0" u="none" strike="noStrike" cap="none">
+                <a:solidFill>
+                  <a:schemeClr val="dk2"/>
+                </a:solidFill>
+                <a:latin typeface="Arial"/>
+                <a:ea typeface="Arial"/>
+                <a:cs typeface="Arial"/>
+                <a:sym typeface="Arial"/>
+              </a:defRPr>
+            </a:lvl6pPr>
+            <a:lvl7pPr marL="3200400" marR="0" lvl="6" indent="-317500" algn="ctr" rtl="0">
+              <a:lnSpc>
+                <a:spcPct val="100000"/>
+              </a:lnSpc>
+              <a:spcBef>
+                <a:spcPts val="0"/>
+              </a:spcBef>
+              <a:spcAft>
+                <a:spcPts val="0"/>
+              </a:spcAft>
+              <a:buClr>
+                <a:schemeClr val="dk2"/>
+              </a:buClr>
+              <a:buSzPts val="2800"/>
+              <a:buFont typeface="Arial"/>
+              <a:buNone/>
+              <a:defRPr sz="2800" b="0" i="0" u="none" strike="noStrike" cap="none">
+                <a:solidFill>
+                  <a:schemeClr val="dk2"/>
+                </a:solidFill>
+                <a:latin typeface="Arial"/>
+                <a:ea typeface="Arial"/>
+                <a:cs typeface="Arial"/>
+                <a:sym typeface="Arial"/>
+              </a:defRPr>
+            </a:lvl7pPr>
+            <a:lvl8pPr marL="3657600" marR="0" lvl="7" indent="-317500" algn="ctr" rtl="0">
+              <a:lnSpc>
+                <a:spcPct val="100000"/>
+              </a:lnSpc>
+              <a:spcBef>
+                <a:spcPts val="0"/>
+              </a:spcBef>
+              <a:spcAft>
+                <a:spcPts val="0"/>
+              </a:spcAft>
+              <a:buClr>
+                <a:schemeClr val="dk2"/>
+              </a:buClr>
+              <a:buSzPts val="2800"/>
+              <a:buFont typeface="Arial"/>
+              <a:buNone/>
+              <a:defRPr sz="2800" b="0" i="0" u="none" strike="noStrike" cap="none">
+                <a:solidFill>
+                  <a:schemeClr val="dk2"/>
+                </a:solidFill>
+                <a:latin typeface="Arial"/>
+                <a:ea typeface="Arial"/>
+                <a:cs typeface="Arial"/>
+                <a:sym typeface="Arial"/>
+              </a:defRPr>
+            </a:lvl8pPr>
+            <a:lvl9pPr marL="4114800" marR="0" lvl="8" indent="-317500" algn="ctr" rtl="0">
+              <a:lnSpc>
+                <a:spcPct val="100000"/>
+              </a:lnSpc>
+              <a:spcBef>
+                <a:spcPts val="0"/>
+              </a:spcBef>
+              <a:spcAft>
+                <a:spcPts val="0"/>
+              </a:spcAft>
+              <a:buClr>
+                <a:schemeClr val="dk2"/>
+              </a:buClr>
+              <a:buSzPts val="2800"/>
+              <a:buFont typeface="Arial"/>
+              <a:buNone/>
+              <a:defRPr sz="2800" b="0" i="0" u="none" strike="noStrike" cap="none">
+                <a:solidFill>
+                  <a:schemeClr val="dk2"/>
+                </a:solidFill>
+                <a:latin typeface="Arial"/>
+                <a:ea typeface="Arial"/>
+                <a:cs typeface="Arial"/>
+                <a:sym typeface="Arial"/>
+              </a:defRPr>
+            </a:lvl9pPr>
+          </a:lstStyle>
+          <a:p>
+            <a:pPr algn="l"/>
+            <a:r>
+              <a:rPr lang="en-US" sz="1700" dirty="0"/>
+              <a:t>[13] </a:t>
+            </a:r>
+            <a:r>
+              <a:rPr lang="en-US" sz="1700" dirty="0" err="1"/>
+              <a:t>Shunyu</a:t>
+            </a:r>
+            <a:r>
+              <a:rPr lang="en-US" sz="1700" dirty="0"/>
+              <a:t> Yao et al., ‘</a:t>
+            </a:r>
+            <a:r>
+              <a:rPr lang="en-US" sz="1700" dirty="0" err="1"/>
+              <a:t>ReAct</a:t>
+            </a:r>
+            <a:r>
+              <a:rPr lang="en-US" sz="1700" dirty="0"/>
+              <a:t>: Synergizing Reasoning and Acting in Language Models’, arXiv.org, Mar. 10, 2023. </a:t>
+            </a:r>
+            <a:r>
+              <a:rPr lang="en-US" sz="1700" dirty="0">
+                <a:hlinkClick r:id="rId4"/>
+              </a:rPr>
+              <a:t>https://arxiv.org/pdf/2210.03629.pdf</a:t>
+            </a:r>
+            <a:r>
+              <a:rPr lang="en-US" sz="1700" dirty="0"/>
+              <a:t> </a:t>
+            </a:r>
+          </a:p>
+        </p:txBody>
+      </p:sp>
+    </p:spTree>
+    <p:extLst>
+      <p:ext uri="{BB962C8B-B14F-4D97-AF65-F5344CB8AC3E}">
+        <p14:creationId xmlns:p14="http://schemas.microsoft.com/office/powerpoint/2010/main" val="4163452533"/>
+      </p:ext>
+    </p:extLst>
+  </p:cSld>
+  <p:clrMapOvr>
+    <a:masterClrMapping/>
+  </p:clrMapOvr>
+</p:sld>
+</file>
+
+<file path=ppt/slides/slide29.xml><?xml version="1.0" encoding="utf-8"?>
 <p:sld xmlns:a="http://schemas.openxmlformats.org/drawingml/2006/main" xmlns:r="http://schemas.openxmlformats.org/officeDocument/2006/relationships" xmlns:p="http://schemas.openxmlformats.org/presentationml/2006/main">
   <p:cSld>
     <p:spTree>
